--- a/slide_luanvan.pptx
+++ b/slide_luanvan.pptx
@@ -6,25 +6,24 @@
     <p:sldMasterId id="2147483852" r:id="rId2"/>
   </p:sldMasterIdLst>
   <p:notesMasterIdLst>
-    <p:notesMasterId r:id="rId16"/>
+    <p:notesMasterId r:id="rId15"/>
   </p:notesMasterIdLst>
   <p:handoutMasterIdLst>
-    <p:handoutMasterId r:id="rId17"/>
+    <p:handoutMasterId r:id="rId16"/>
   </p:handoutMasterIdLst>
   <p:sldIdLst>
     <p:sldId id="256" r:id="rId3"/>
     <p:sldId id="257" r:id="rId4"/>
     <p:sldId id="258" r:id="rId5"/>
-    <p:sldId id="273" r:id="rId6"/>
-    <p:sldId id="274" r:id="rId7"/>
-    <p:sldId id="275" r:id="rId8"/>
-    <p:sldId id="276" r:id="rId9"/>
-    <p:sldId id="277" r:id="rId10"/>
-    <p:sldId id="278" r:id="rId11"/>
-    <p:sldId id="259" r:id="rId12"/>
-    <p:sldId id="270" r:id="rId13"/>
-    <p:sldId id="271" r:id="rId14"/>
-    <p:sldId id="269" r:id="rId15"/>
+    <p:sldId id="274" r:id="rId6"/>
+    <p:sldId id="278" r:id="rId7"/>
+    <p:sldId id="283" r:id="rId8"/>
+    <p:sldId id="279" r:id="rId9"/>
+    <p:sldId id="284" r:id="rId10"/>
+    <p:sldId id="259" r:id="rId11"/>
+    <p:sldId id="270" r:id="rId12"/>
+    <p:sldId id="271" r:id="rId13"/>
+    <p:sldId id="269" r:id="rId14"/>
   </p:sldIdLst>
   <p:sldSz cx="9144000" cy="6858000" type="screen4x3"/>
   <p:notesSz cx="6858000" cy="9144000"/>
@@ -123,6 +122,36 @@
       </a:defRPr>
     </a:lvl9pPr>
   </p:defaultTextStyle>
+  <p:extLst>
+    <p:ext uri="{EFAFB233-063F-42B5-8137-9DF3F51BA10A}">
+      <p15:sldGuideLst xmlns:p15="http://schemas.microsoft.com/office/powerpoint/2012/main">
+        <p15:guide id="1" orient="horz" pos="2160">
+          <p15:clr>
+            <a:srgbClr val="A4A3A4"/>
+          </p15:clr>
+        </p15:guide>
+        <p15:guide id="2" pos="2880">
+          <p15:clr>
+            <a:srgbClr val="A4A3A4"/>
+          </p15:clr>
+        </p15:guide>
+      </p15:sldGuideLst>
+    </p:ext>
+    <p:ext uri="{2D200454-40CA-4A62-9FC3-DE9A4176ACB9}">
+      <p15:notesGuideLst xmlns:p15="http://schemas.microsoft.com/office/powerpoint/2012/main">
+        <p15:guide id="1" orient="horz" pos="2880">
+          <p15:clr>
+            <a:srgbClr val="A4A3A4"/>
+          </p15:clr>
+        </p15:guide>
+        <p15:guide id="2" pos="2160">
+          <p15:clr>
+            <a:srgbClr val="A4A3A4"/>
+          </p15:clr>
+        </p15:guide>
+      </p15:notesGuideLst>
+    </p:ext>
+  </p:extLst>
 </p:presentation>
 </file>
 
@@ -291,6 +320,11 @@
         </p:txBody>
       </p:sp>
     </p:spTree>
+    <p:extLst>
+      <p:ext uri="{BB962C8B-B14F-4D97-AF65-F5344CB8AC3E}">
+        <p14:creationId xmlns:p14="http://schemas.microsoft.com/office/powerpoint/2010/main" val="951844754"/>
+      </p:ext>
+    </p:extLst>
   </p:cSld>
   <p:clrMap bg1="lt1" tx1="dk1" bg2="lt2" tx2="dk2" accent1="accent1" accent2="accent2" accent3="accent3" accent4="accent4" accent5="accent5" accent6="accent6" hlink="hlink" folHlink="folHlink"/>
   <p:hf sldNum="0"/>
@@ -557,6 +591,11 @@
         </p:txBody>
       </p:sp>
     </p:spTree>
+    <p:extLst>
+      <p:ext uri="{BB962C8B-B14F-4D97-AF65-F5344CB8AC3E}">
+        <p14:creationId xmlns:p14="http://schemas.microsoft.com/office/powerpoint/2010/main" val="108742812"/>
+      </p:ext>
+    </p:extLst>
   </p:cSld>
   <p:clrMap bg1="lt1" tx1="dk1" bg2="lt2" tx2="dk2" accent1="accent1" accent2="accent2" accent3="accent3" accent4="accent4" accent5="accent5" accent6="accent6" hlink="hlink" folHlink="folHlink"/>
   <p:hf sldNum="0"/>
@@ -776,6 +815,11 @@
         </p:txBody>
       </p:sp>
     </p:spTree>
+    <p:extLst>
+      <p:ext uri="{BB962C8B-B14F-4D97-AF65-F5344CB8AC3E}">
+        <p14:creationId xmlns:p14="http://schemas.microsoft.com/office/powerpoint/2010/main" val="637324753"/>
+      </p:ext>
+    </p:extLst>
   </p:cSld>
   <p:clrMapOvr>
     <a:masterClrMapping/>
@@ -9138,7 +9182,12 @@
             <p:ph type="title"/>
           </p:nvPr>
         </p:nvSpPr>
-        <p:spPr/>
+        <p:spPr>
+          <a:xfrm>
+            <a:off x="457200" y="274638"/>
+            <a:ext cx="7467600" cy="868346"/>
+          </a:xfrm>
+        </p:spPr>
         <p:txBody>
           <a:bodyPr anchor="ctr" anchorCtr="0"/>
           <a:lstStyle/>
@@ -9146,144 +9195,30 @@
             <a:pPr algn="ctr"/>
             <a:r>
               <a:rPr lang="vi-VN" b="1" cap="none" dirty="0" smtClean="0">
-                <a:ln w="12700">
+                <a:ln w="18000">
                   <a:solidFill>
-                    <a:schemeClr val="tx2">
-                      <a:satMod val="155000"/>
-                    </a:schemeClr>
+                    <a:schemeClr val="tx1"/>
                   </a:solidFill>
                   <a:prstDash val="solid"/>
+                  <a:miter lim="800000"/>
                 </a:ln>
                 <a:solidFill>
                   <a:schemeClr val="tx1"/>
                 </a:solidFill>
                 <a:effectLst>
-                  <a:outerShdw blurRad="41275" dist="20320" dir="1800000" algn="tl" rotWithShape="0">
+                  <a:outerShdw blurRad="25500" dist="23000" dir="7020000" algn="tl">
                     <a:srgbClr val="000000">
-                      <a:alpha val="40000"/>
+                      <a:alpha val="50000"/>
                     </a:srgbClr>
                   </a:outerShdw>
                 </a:effectLst>
               </a:rPr>
-              <a:t>4. THIẾT KẾ CHƯƠNG TRÌNH</a:t>
-            </a:r>
-            <a:endParaRPr lang="vi-VN" b="1" cap="none" dirty="0">
-              <a:ln w="12700">
-                <a:solidFill>
-                  <a:schemeClr val="tx2">
-                    <a:satMod val="155000"/>
-                  </a:schemeClr>
-                </a:solidFill>
-                <a:prstDash val="solid"/>
-              </a:ln>
-              <a:solidFill>
-                <a:schemeClr val="tx1"/>
-              </a:solidFill>
-              <a:effectLst>
-                <a:outerShdw blurRad="41275" dist="20320" dir="1800000" algn="tl" rotWithShape="0">
-                  <a:srgbClr val="000000">
-                    <a:alpha val="40000"/>
-                  </a:srgbClr>
-                </a:outerShdw>
-              </a:effectLst>
-            </a:endParaRPr>
-          </a:p>
-        </p:txBody>
-      </p:sp>
-      <p:sp>
-        <p:nvSpPr>
-          <p:cNvPr id="3" name="Content Placeholder 2"/>
-          <p:cNvSpPr>
-            <a:spLocks noGrp="1"/>
-          </p:cNvSpPr>
-          <p:nvPr>
-            <p:ph sz="quarter" idx="1"/>
-          </p:nvPr>
-        </p:nvSpPr>
-        <p:spPr>
-          <a:xfrm>
-            <a:off x="457200" y="1285860"/>
-            <a:ext cx="7467600" cy="2071702"/>
-          </a:xfrm>
-        </p:spPr>
-        <p:txBody>
-          <a:bodyPr/>
-          <a:lstStyle/>
-          <a:p>
-            <a:pPr>
-              <a:buNone/>
-            </a:pPr>
-            <a:r>
-              <a:rPr lang="vi-VN" b="1" dirty="0" smtClean="0"/>
-              <a:t>AJAX</a:t>
-            </a:r>
-          </a:p>
-          <a:p>
-            <a:pPr>
-              <a:buNone/>
-            </a:pPr>
-            <a:r>
-              <a:rPr lang="vi-VN" dirty="0" smtClean="0"/>
-              <a:t>		</a:t>
-            </a:r>
-            <a:r>
-              <a:rPr lang="vi-VN" b="1" dirty="0" smtClean="0"/>
-              <a:t>AJAX</a:t>
-            </a:r>
-            <a:r>
-              <a:rPr lang="vi-VN" dirty="0" smtClean="0"/>
-              <a:t> là một nhóm các công nghệ phát triển web được sử dụng để tạo các ứng dụng web động hay các ứng dụng giàu tính Internet (</a:t>
-            </a:r>
-            <a:r>
-              <a:rPr lang="vi-VN" i="1" dirty="0" smtClean="0"/>
-              <a:t>rich Internet application</a:t>
-            </a:r>
-            <a:r>
-              <a:rPr lang="vi-VN" dirty="0" smtClean="0"/>
-              <a:t>).</a:t>
-            </a:r>
-          </a:p>
-          <a:p>
-            <a:pPr>
-              <a:buNone/>
-            </a:pPr>
-            <a:endParaRPr lang="vi-VN" b="1" dirty="0" smtClean="0"/>
-          </a:p>
-        </p:txBody>
-      </p:sp>
-      <p:pic>
-        <p:nvPicPr>
-          <p:cNvPr id="2051" name="Picture 3"/>
-          <p:cNvPicPr>
-            <a:picLocks noChangeAspect="1" noChangeArrowheads="1"/>
-          </p:cNvPicPr>
-          <p:nvPr/>
-        </p:nvPicPr>
-        <p:blipFill>
-          <a:blip r:embed="rId2"/>
-          <a:srcRect/>
-          <a:stretch>
-            <a:fillRect/>
-          </a:stretch>
-        </p:blipFill>
-        <p:spPr bwMode="auto">
-          <a:xfrm>
-            <a:off x="2357422" y="3357562"/>
-            <a:ext cx="3933825" cy="3286148"/>
-          </a:xfrm>
-          <a:prstGeom prst="rect">
-            <a:avLst/>
-          </a:prstGeom>
-          <a:noFill/>
-          <a:ln w="9525">
-            <a:noFill/>
-            <a:miter lim="800000"/>
-            <a:headEnd/>
-            <a:tailEnd/>
-          </a:ln>
-          <a:effectLst/>
-        </p:spPr>
-      </p:pic>
+              <a:t>5. DEMO</a:t>
+            </a:r>
+            <a:endParaRPr lang="vi-VN" dirty="0"/>
+          </a:p>
+        </p:txBody>
+      </p:sp>
     </p:spTree>
   </p:cSld>
   <p:clrMapOvr>
@@ -9332,7 +9267,7 @@
         <p:spPr>
           <a:xfrm>
             <a:off x="457200" y="274638"/>
-            <a:ext cx="7467600" cy="868346"/>
+            <a:ext cx="7467600" cy="1011222"/>
           </a:xfrm>
         </p:spPr>
         <p:txBody>
@@ -9360,7 +9295,7 @@
                   </a:outerShdw>
                 </a:effectLst>
               </a:rPr>
-              <a:t>5. DEMO</a:t>
+              <a:t>6. TỔNG KẾT</a:t>
             </a:r>
             <a:endParaRPr lang="vi-VN" dirty="0"/>
           </a:p>
@@ -9368,7 +9303,7 @@
       </p:sp>
       <p:sp>
         <p:nvSpPr>
-          <p:cNvPr id="8" name="Content Placeholder 7"/>
+          <p:cNvPr id="6" name="Content Placeholder 5"/>
           <p:cNvSpPr>
             <a:spLocks noGrp="1"/>
           </p:cNvSpPr>
@@ -9378,7 +9313,7 @@
         </p:nvSpPr>
         <p:spPr>
           <a:xfrm>
-            <a:off x="500034" y="1285860"/>
+            <a:off x="571472" y="1357298"/>
             <a:ext cx="7467600" cy="4873752"/>
           </a:xfrm>
         </p:spPr>
@@ -9386,7 +9321,7 @@
           <a:bodyPr/>
           <a:lstStyle/>
           <a:p>
-            <a:endParaRPr lang="vi-VN" dirty="0"/>
+            <a:endParaRPr lang="vi-VN" i="1" dirty="0"/>
           </a:p>
         </p:txBody>
       </p:sp>
@@ -9427,112 +9362,6 @@
       </p:grpSpPr>
       <p:sp>
         <p:nvSpPr>
-          <p:cNvPr id="2" name="Title 1"/>
-          <p:cNvSpPr>
-            <a:spLocks noGrp="1"/>
-          </p:cNvSpPr>
-          <p:nvPr>
-            <p:ph type="title"/>
-          </p:nvPr>
-        </p:nvSpPr>
-        <p:spPr>
-          <a:xfrm>
-            <a:off x="457200" y="274638"/>
-            <a:ext cx="7467600" cy="1011222"/>
-          </a:xfrm>
-        </p:spPr>
-        <p:txBody>
-          <a:bodyPr anchor="ctr" anchorCtr="0"/>
-          <a:lstStyle/>
-          <a:p>
-            <a:pPr algn="ctr"/>
-            <a:r>
-              <a:rPr lang="vi-VN" b="1" cap="none" dirty="0" smtClean="0">
-                <a:ln w="18000">
-                  <a:solidFill>
-                    <a:schemeClr val="tx1"/>
-                  </a:solidFill>
-                  <a:prstDash val="solid"/>
-                  <a:miter lim="800000"/>
-                </a:ln>
-                <a:solidFill>
-                  <a:schemeClr val="tx1"/>
-                </a:solidFill>
-                <a:effectLst>
-                  <a:outerShdw blurRad="25500" dist="23000" dir="7020000" algn="tl">
-                    <a:srgbClr val="000000">
-                      <a:alpha val="50000"/>
-                    </a:srgbClr>
-                  </a:outerShdw>
-                </a:effectLst>
-              </a:rPr>
-              <a:t>6. TỔNG KẾT</a:t>
-            </a:r>
-            <a:endParaRPr lang="vi-VN" dirty="0"/>
-          </a:p>
-        </p:txBody>
-      </p:sp>
-      <p:sp>
-        <p:nvSpPr>
-          <p:cNvPr id="6" name="Content Placeholder 5"/>
-          <p:cNvSpPr>
-            <a:spLocks noGrp="1"/>
-          </p:cNvSpPr>
-          <p:nvPr>
-            <p:ph sz="quarter" idx="1"/>
-          </p:nvPr>
-        </p:nvSpPr>
-        <p:spPr>
-          <a:xfrm>
-            <a:off x="571472" y="1357298"/>
-            <a:ext cx="7467600" cy="4873752"/>
-          </a:xfrm>
-        </p:spPr>
-        <p:txBody>
-          <a:bodyPr/>
-          <a:lstStyle/>
-          <a:p>
-            <a:endParaRPr lang="vi-VN" i="1" dirty="0"/>
-          </a:p>
-        </p:txBody>
-      </p:sp>
-    </p:spTree>
-  </p:cSld>
-  <p:clrMapOvr>
-    <a:masterClrMapping/>
-  </p:clrMapOvr>
-  <p:transition>
-    <p:wipe/>
-  </p:transition>
-  <p:timing>
-    <p:tnLst>
-      <p:par>
-        <p:cTn id="1" dur="indefinite" restart="never" nodeType="tmRoot"/>
-      </p:par>
-    </p:tnLst>
-  </p:timing>
-</p:sld>
-</file>
-
-<file path=ppt/slides/slide13.xml><?xml version="1.0" encoding="utf-8"?>
-<p:sld xmlns:a="http://schemas.openxmlformats.org/drawingml/2006/main" xmlns:r="http://schemas.openxmlformats.org/officeDocument/2006/relationships" xmlns:p="http://schemas.openxmlformats.org/presentationml/2006/main">
-  <p:cSld>
-    <p:spTree>
-      <p:nvGrpSpPr>
-        <p:cNvPr id="1" name=""/>
-        <p:cNvGrpSpPr/>
-        <p:nvPr/>
-      </p:nvGrpSpPr>
-      <p:grpSpPr>
-        <a:xfrm>
-          <a:off x="0" y="0"/>
-          <a:ext cx="0" cy="0"/>
-          <a:chOff x="0" y="0"/>
-          <a:chExt cx="0" cy="0"/>
-        </a:xfrm>
-      </p:grpSpPr>
-      <p:sp>
-        <p:nvSpPr>
           <p:cNvPr id="4" name="Rectangle 3"/>
           <p:cNvSpPr/>
           <p:nvPr/>
@@ -9716,13 +9545,27 @@
         </p:spPr>
         <p:txBody>
           <a:bodyPr>
-            <a:normAutofit fontScale="85000" lnSpcReduction="20000"/>
+            <a:normAutofit/>
           </a:bodyPr>
           <a:lstStyle/>
           <a:p>
+            <a:endParaRPr lang="en-US" sz="3600" dirty="0" smtClean="0"/>
+          </a:p>
+          <a:p>
+            <a:endParaRPr lang="en-US" sz="3600" dirty="0"/>
+          </a:p>
+          <a:p>
+            <a:r>
+              <a:rPr lang="en-US" sz="3600" smtClean="0"/>
+              <a:t> </a:t>
+            </a:r>
+            <a:r>
+              <a:rPr lang="vi-VN" sz="3600" smtClean="0"/>
+              <a:t>Bảo </a:t>
+            </a:r>
             <a:r>
               <a:rPr lang="vi-VN" sz="3600" dirty="0" smtClean="0"/>
-              <a:t>Bảo trì là gì?</a:t>
+              <a:t>trì là gì?</a:t>
             </a:r>
           </a:p>
           <a:p>
@@ -9731,8 +9574,9 @@
             </a:pPr>
             <a:r>
               <a:rPr lang="vi-VN" sz="3600" dirty="0" smtClean="0"/>
-              <a:t>		Bảo trì là các hành động nhằm mục đích duy trì hoặc khôi phục hoạt động của thiết bị hoặc làm thiết bị đó có thể hoạt động với tác dụng cần thiết.</a:t>
-            </a:r>
+              <a:t>		</a:t>
+            </a:r>
+            <a:endParaRPr lang="vi-VN" sz="3600" dirty="0" smtClean="0"/>
           </a:p>
           <a:p>
             <a:r>
@@ -9746,7 +9590,7 @@
             </a:pPr>
             <a:r>
               <a:rPr lang="vi-VN" sz="3600" dirty="0" smtClean="0"/>
-              <a:t>		Tránh việc máy ngừng đột xuất ảnh hưởng đến hiệu suất làm việc của công ty, doanh nghiệp. Từ đó có thể làm doanh nghiệp có doanh thu ổn định, tăng uy tín trong ngành nghề của mình.</a:t>
+              <a:t>		</a:t>
             </a:r>
             <a:endParaRPr lang="vi-VN" dirty="0"/>
           </a:p>
@@ -9900,16 +9744,25 @@
             </a:pPr>
             <a:r>
               <a:rPr lang="vi-VN" sz="2800" baseline="-25000" dirty="0" smtClean="0"/>
-              <a:t>	Theo thống kê tại Mỹ, một cường quốc về bảo trì:</a:t>
-            </a:r>
+              <a:t>	</a:t>
+            </a:r>
+            <a:endParaRPr lang="en-US" sz="2800" baseline="-25000" dirty="0" smtClean="0"/>
           </a:p>
           <a:p>
             <a:pPr>
               <a:buNone/>
             </a:pPr>
             <a:r>
+              <a:rPr lang="en-US" sz="2800" baseline="-25000" dirty="0"/>
+              <a:t>	</a:t>
+            </a:r>
+            <a:r>
               <a:rPr lang="vi-VN" sz="2800" baseline="-25000" dirty="0" smtClean="0"/>
-              <a:t>	•  Năm 1981: ngừng máy gây thiệt hại cho các công ty Mỹ khoảng 300 tỷ USD.</a:t>
+              <a:t>Theo </a:t>
+            </a:r>
+            <a:r>
+              <a:rPr lang="vi-VN" sz="2800" baseline="-25000" dirty="0" smtClean="0"/>
+              <a:t>thống kê tại Mỹ, một cường quốc về bảo trì:</a:t>
             </a:r>
           </a:p>
           <a:p>
@@ -9918,7 +9771,7 @@
             </a:pPr>
             <a:r>
               <a:rPr lang="vi-VN" sz="2800" baseline="-25000" dirty="0" smtClean="0"/>
-              <a:t>	•  Năm 1991: ngừng máy gây thiệt hại cho các công ty Mỹ khoảng 400 tỷ USD.</a:t>
+              <a:t>	</a:t>
             </a:r>
           </a:p>
           <a:p>
@@ -9927,7 +9780,15 @@
             </a:pPr>
             <a:r>
               <a:rPr lang="vi-VN" sz="2800" baseline="-25000" dirty="0" smtClean="0"/>
-              <a:t>	•  Năm 2000: ngừng máy gây thiệt hại cho các công ty Mỹ khoảng 600 tỷ USD.</a:t>
+              <a:t>	</a:t>
+            </a:r>
+            <a:r>
+              <a:rPr lang="vi-VN" sz="2800" baseline="-25000" dirty="0" smtClean="0"/>
+              <a:t>Tại </a:t>
+            </a:r>
+            <a:r>
+              <a:rPr lang="vi-VN" sz="2800" baseline="-25000" dirty="0" smtClean="0"/>
+              <a:t>Việt Nam:</a:t>
             </a:r>
           </a:p>
           <a:p>
@@ -9936,35 +9797,27 @@
             </a:pPr>
             <a:r>
               <a:rPr lang="vi-VN" sz="2800" baseline="-25000" dirty="0" smtClean="0"/>
-              <a:t>	•  Năm 2010: ngừng máy gây thiệt hại cho các công ty Mỹ khoảng 800 tỷ USD.</a:t>
-            </a:r>
+              <a:t>	</a:t>
+            </a:r>
+            <a:endParaRPr lang="en-US" sz="2800" baseline="-25000" dirty="0" smtClean="0"/>
           </a:p>
           <a:p>
             <a:pPr>
               <a:buNone/>
             </a:pPr>
             <a:r>
-              <a:rPr lang="vi-VN" sz="2800" baseline="-25000" dirty="0" smtClean="0"/>
-              <a:t>	Tại Việt Nam:</a:t>
+              <a:rPr lang="en-US" sz="2800" baseline="-25000" dirty="0"/>
+              <a:t>	</a:t>
+            </a:r>
+            <a:r>
+              <a:rPr lang="vi-VN" sz="2800" dirty="0"/>
+              <a:t>Hiện trạng bảo trì các doanh nghiệp sản xuất công nghiệp ở Việt Nam:</a:t>
             </a:r>
           </a:p>
           <a:p>
             <a:pPr>
               <a:buNone/>
             </a:pPr>
-            <a:r>
-              <a:rPr lang="vi-VN" sz="2800" baseline="-25000" dirty="0" smtClean="0"/>
-              <a:t>	•  Thiệt hại do ngừng máy trong cả nước ước tính bằng khoảng 5% GDP, khoảng 5 tỷ USD (năm 2010).</a:t>
-            </a:r>
-          </a:p>
-          <a:p>
-            <a:pPr>
-              <a:buNone/>
-            </a:pPr>
-            <a:r>
-              <a:rPr lang="vi-VN" sz="2800" baseline="-25000" dirty="0" smtClean="0"/>
-              <a:t>	•  Thiệt hại do ngừng máy trong mỗi doanh nghiệp có thể vào khoảng 5 – 10% doanh thu, tùy loại thiết bị và hiệu quả của hệ thống bảo trì.</a:t>
-            </a:r>
             <a:endParaRPr lang="vi-VN" sz="2800" baseline="-25000" dirty="0"/>
           </a:p>
         </p:txBody>
@@ -10014,7 +9867,12 @@
             <p:ph type="title"/>
           </p:nvPr>
         </p:nvSpPr>
-        <p:spPr/>
+        <p:spPr>
+          <a:xfrm>
+            <a:off x="457200" y="274638"/>
+            <a:ext cx="7467600" cy="582594"/>
+          </a:xfrm>
+        </p:spPr>
         <p:txBody>
           <a:bodyPr/>
           <a:lstStyle/>
@@ -10041,7 +9899,7 @@
                   </a:outerShdw>
                 </a:effectLst>
               </a:rPr>
-              <a:t>2. KHẢO SÁT VÀ CÁC VẤN ĐỀ LIÊN QUAN (TT)</a:t>
+              <a:t>3. CƠ SỞ LÝ THUYẾT</a:t>
             </a:r>
             <a:endParaRPr lang="vi-VN" dirty="0"/>
           </a:p>
@@ -10057,25 +9915,90 @@
             <p:ph sz="quarter" idx="1"/>
           </p:nvPr>
         </p:nvSpPr>
-        <p:spPr/>
-        <p:txBody>
-          <a:bodyPr/>
-          <a:lstStyle/>
+        <p:spPr>
+          <a:xfrm>
+            <a:off x="457200" y="1000108"/>
+            <a:ext cx="8115328" cy="5473844"/>
+          </a:xfrm>
+        </p:spPr>
+        <p:txBody>
+          <a:bodyPr>
+            <a:normAutofit/>
+          </a:bodyPr>
+          <a:lstStyle/>
+          <a:p>
+            <a:pPr>
+              <a:buFontTx/>
+              <a:buChar char="-"/>
+            </a:pPr>
+            <a:r>
+              <a:rPr lang="en-US" dirty="0" err="1" smtClean="0">
+                <a:latin typeface="Times New Roman" panose="02020603050405020304" pitchFamily="18" charset="0"/>
+                <a:cs typeface="Times New Roman" panose="02020603050405020304" pitchFamily="18" charset="0"/>
+              </a:rPr>
+              <a:t>Bảo</a:t>
+            </a:r>
+            <a:r>
+              <a:rPr lang="en-US" dirty="0" smtClean="0">
+                <a:latin typeface="Times New Roman" panose="02020603050405020304" pitchFamily="18" charset="0"/>
+                <a:cs typeface="Times New Roman" panose="02020603050405020304" pitchFamily="18" charset="0"/>
+              </a:rPr>
+              <a:t> </a:t>
+            </a:r>
+            <a:r>
+              <a:rPr lang="en-US" dirty="0" err="1" smtClean="0">
+                <a:latin typeface="Times New Roman" panose="02020603050405020304" pitchFamily="18" charset="0"/>
+                <a:cs typeface="Times New Roman" panose="02020603050405020304" pitchFamily="18" charset="0"/>
+              </a:rPr>
+              <a:t>trì</a:t>
+            </a:r>
+            <a:r>
+              <a:rPr lang="en-US" dirty="0" smtClean="0">
+                <a:latin typeface="Times New Roman" panose="02020603050405020304" pitchFamily="18" charset="0"/>
+                <a:cs typeface="Times New Roman" panose="02020603050405020304" pitchFamily="18" charset="0"/>
+              </a:rPr>
+              <a:t> </a:t>
+            </a:r>
+            <a:r>
+              <a:rPr lang="en-US" dirty="0" err="1" smtClean="0">
+                <a:latin typeface="Times New Roman" panose="02020603050405020304" pitchFamily="18" charset="0"/>
+                <a:cs typeface="Times New Roman" panose="02020603050405020304" pitchFamily="18" charset="0"/>
+              </a:rPr>
+              <a:t>thiết</a:t>
+            </a:r>
+            <a:r>
+              <a:rPr lang="en-US" dirty="0" smtClean="0">
+                <a:latin typeface="Times New Roman" panose="02020603050405020304" pitchFamily="18" charset="0"/>
+                <a:cs typeface="Times New Roman" panose="02020603050405020304" pitchFamily="18" charset="0"/>
+              </a:rPr>
+              <a:t> </a:t>
+            </a:r>
+            <a:r>
+              <a:rPr lang="en-US" dirty="0" err="1" smtClean="0">
+                <a:latin typeface="Times New Roman" panose="02020603050405020304" pitchFamily="18" charset="0"/>
+                <a:cs typeface="Times New Roman" panose="02020603050405020304" pitchFamily="18" charset="0"/>
+              </a:rPr>
+              <a:t>bị</a:t>
+            </a:r>
+            <a:endParaRPr lang="en-US" dirty="0" smtClean="0">
+              <a:latin typeface="Times New Roman" panose="02020603050405020304" pitchFamily="18" charset="0"/>
+              <a:cs typeface="Times New Roman" panose="02020603050405020304" pitchFamily="18" charset="0"/>
+            </a:endParaRPr>
+          </a:p>
+          <a:p>
+            <a:pPr>
+              <a:buFontTx/>
+              <a:buChar char="-"/>
+            </a:pPr>
+            <a:endParaRPr lang="vi-VN" dirty="0" smtClean="0"/>
+          </a:p>
           <a:p>
             <a:pPr>
               <a:buNone/>
             </a:pPr>
             <a:r>
               <a:rPr lang="vi-VN" dirty="0" smtClean="0"/>
-              <a:t>	</a:t>
-            </a:r>
-            <a:r>
-              <a:rPr lang="vi-VN" dirty="0" smtClean="0"/>
-              <a:t>	Hiện </a:t>
-            </a:r>
-            <a:r>
-              <a:rPr lang="vi-VN" dirty="0" smtClean="0"/>
-              <a:t>trạng bảo trì các doanh nghiệp sản xuất công nghiệp ở Việt Nam:</a:t>
+              <a:t>	+ Các dạng bảo trì</a:t>
             </a:r>
           </a:p>
           <a:p>
@@ -10084,7 +10007,7 @@
             </a:pPr>
             <a:r>
               <a:rPr lang="vi-VN" dirty="0" smtClean="0"/>
-              <a:t>	- Đa số thực hiện chiến lược “Vận hành cho đến khi hư hỏng”.</a:t>
+              <a:t>		</a:t>
             </a:r>
           </a:p>
           <a:p>
@@ -10093,18 +10016,13 @@
             </a:pPr>
             <a:r>
               <a:rPr lang="vi-VN" dirty="0" smtClean="0"/>
-              <a:t>	- Một số thực hiện nghiêm túc chiến lược “Bảo trì phòng ngừa trực tiếp.</a:t>
-            </a:r>
-          </a:p>
-          <a:p>
-            <a:pPr>
-              <a:buNone/>
-            </a:pPr>
+              <a:t>	+ Quy trình bảo trì</a:t>
+            </a:r>
             <a:r>
               <a:rPr lang="vi-VN" dirty="0" smtClean="0"/>
-              <a:t>	- Đa số chưa biết đến chiến lược “Bảo trì phòng ngừa gián tiếp/ Bảo trì trên cơ sở tình trạng”.</a:t>
-            </a:r>
-            <a:endParaRPr lang="vi-VN" dirty="0"/>
+              <a:t>:</a:t>
+            </a:r>
+            <a:endParaRPr lang="vi-VN" dirty="0" smtClean="0"/>
           </a:p>
         </p:txBody>
       </p:sp>
@@ -10157,7 +10075,9 @@
           </a:xfrm>
         </p:spPr>
         <p:txBody>
-          <a:bodyPr/>
+          <a:bodyPr>
+            <a:normAutofit/>
+          </a:bodyPr>
           <a:lstStyle/>
           <a:p>
             <a:pPr algn="ctr"/>
@@ -10182,7 +10102,7 @@
                   </a:outerShdw>
                 </a:effectLst>
               </a:rPr>
-              <a:t>3. CƠ SỞ LÝ THUYẾT</a:t>
+              <a:t>3. CƠ SỞ LÝ THUYẾT (TT)</a:t>
             </a:r>
             <a:endParaRPr lang="vi-VN" dirty="0"/>
           </a:p>
@@ -10200,102 +10120,90 @@
         </p:nvSpPr>
         <p:spPr>
           <a:xfrm>
-            <a:off x="457200" y="1000108"/>
-            <a:ext cx="8115328" cy="5473844"/>
+            <a:off x="611560" y="1000108"/>
+            <a:ext cx="7467600" cy="772708"/>
           </a:xfrm>
         </p:spPr>
         <p:txBody>
           <a:bodyPr>
-            <a:normAutofit/>
+            <a:normAutofit fontScale="25000" lnSpcReduction="20000"/>
           </a:bodyPr>
           <a:lstStyle/>
           <a:p>
-            <a:pPr>
-              <a:buFontTx/>
-              <a:buChar char="-"/>
+            <a:pPr algn="ctr">
+              <a:buNone/>
             </a:pPr>
             <a:r>
-              <a:rPr lang="vi-VN" dirty="0" smtClean="0"/>
-              <a:t>Quy trình bảo trì</a:t>
-            </a:r>
+              <a:rPr lang="vi-VN" sz="9600" b="1" dirty="0" smtClean="0"/>
+              <a:t>PhoneGap:</a:t>
+            </a:r>
+            <a:endParaRPr lang="en-US" sz="9600" b="1" dirty="0" smtClean="0"/>
           </a:p>
           <a:p>
             <a:pPr>
               <a:buNone/>
             </a:pPr>
-            <a:r>
-              <a:rPr lang="vi-VN" dirty="0" smtClean="0"/>
-              <a:t>	+ Các dạng bảo trì</a:t>
-            </a:r>
+            <a:endParaRPr lang="en-US" b="1" dirty="0" smtClean="0"/>
           </a:p>
           <a:p>
             <a:pPr>
               <a:buNone/>
             </a:pPr>
             <a:r>
-              <a:rPr lang="vi-VN" dirty="0" smtClean="0"/>
-              <a:t>		Bảo trì định kỳ: Các thao tác bảo trì cần thiết với các thiết bị theo lịch bảo trì mà </a:t>
-            </a:r>
-            <a:r>
-              <a:rPr lang="vi-VN" dirty="0" smtClean="0"/>
-              <a:t>mình </a:t>
-            </a:r>
-            <a:r>
-              <a:rPr lang="vi-VN" dirty="0" smtClean="0"/>
-              <a:t>đặt ra</a:t>
-            </a:r>
-            <a:r>
-              <a:rPr lang="vi-VN" dirty="0" smtClean="0"/>
-              <a:t>. Bảo trì định kỳ nhằm mục đích giúp thiết bị hoạt động như mong muốn và phòng ngừa các vấn đề có thể </a:t>
-            </a:r>
-            <a:r>
-              <a:rPr lang="vi-VN" dirty="0" smtClean="0"/>
-              <a:t>xảy ra.</a:t>
-            </a:r>
-            <a:endParaRPr lang="vi-VN" dirty="0" smtClean="0"/>
-          </a:p>
-          <a:p>
-            <a:pPr>
-              <a:buNone/>
-            </a:pPr>
-            <a:r>
-              <a:rPr lang="vi-VN" dirty="0" smtClean="0"/>
-              <a:t>		Bảo trì đột xuất: Các thao tác bảo trì khẩn cấp với các thiết bị dừng hoạt động đột xuất nhằm đưa thiết bị hoạt động lại với khả năng cung cấp những chức năng cần thiết trước khi tìm ra phương án tốt hơn.</a:t>
-            </a:r>
-          </a:p>
-          <a:p>
-            <a:pPr>
-              <a:buNone/>
-            </a:pPr>
-            <a:r>
-              <a:rPr lang="vi-VN" dirty="0" smtClean="0"/>
-              <a:t>	+ </a:t>
-            </a:r>
-            <a:r>
-              <a:rPr lang="vi-VN" dirty="0" smtClean="0"/>
-              <a:t>Quy trình </a:t>
-            </a:r>
-            <a:r>
-              <a:rPr lang="vi-VN" smtClean="0"/>
-              <a:t>bảo </a:t>
-            </a:r>
-            <a:r>
-              <a:rPr lang="vi-VN" smtClean="0"/>
-              <a:t>trì</a:t>
-            </a:r>
-            <a:r>
-              <a:rPr lang="vi-VN" smtClean="0"/>
-              <a:t>: Là các công việc nhằm thực thiện việc bảo trì định kỳ và bảo trì đột xuất một cách hợp </a:t>
-            </a:r>
-            <a:r>
-              <a:rPr lang="vi-VN" smtClean="0"/>
-              <a:t>lý.</a:t>
-            </a:r>
-            <a:endParaRPr lang="vi-VN" dirty="0" smtClean="0"/>
-          </a:p>
-        </p:txBody>
-      </p:sp>
+              <a:rPr lang="vi-VN" b="1" dirty="0" smtClean="0"/>
+              <a:t> </a:t>
+            </a:r>
+            <a:endParaRPr lang="en-US" b="1" dirty="0" smtClean="0"/>
+          </a:p>
+        </p:txBody>
+      </p:sp>
+      <p:pic>
+        <p:nvPicPr>
+          <p:cNvPr id="7170" name="Picture 2" descr="http://myxaab.files.wordpress.com/2011/02/diagram_me1.png"/>
+          <p:cNvPicPr>
+            <a:picLocks noChangeAspect="1" noChangeArrowheads="1"/>
+          </p:cNvPicPr>
+          <p:nvPr/>
+        </p:nvPicPr>
+        <p:blipFill>
+          <a:blip r:embed="rId2">
+            <a:extLst>
+              <a:ext uri="{28A0092B-C50C-407E-A947-70E740481C1C}">
+                <a14:useLocalDpi xmlns:a14="http://schemas.microsoft.com/office/drawing/2010/main" val="0"/>
+              </a:ext>
+            </a:extLst>
+          </a:blip>
+          <a:srcRect/>
+          <a:stretch>
+            <a:fillRect/>
+          </a:stretch>
+        </p:blipFill>
+        <p:spPr bwMode="auto">
+          <a:xfrm>
+            <a:off x="1719262" y="1915692"/>
+            <a:ext cx="4943475" cy="4495800"/>
+          </a:xfrm>
+          <a:prstGeom prst="rect">
+            <a:avLst/>
+          </a:prstGeom>
+          <a:noFill/>
+          <a:extLst>
+            <a:ext uri="{909E8E84-426E-40DD-AFC4-6F175D3DCCD1}">
+              <a14:hiddenFill xmlns:a14="http://schemas.microsoft.com/office/drawing/2010/main">
+                <a:solidFill>
+                  <a:srgbClr val="FFFFFF"/>
+                </a:solidFill>
+              </a14:hiddenFill>
+            </a:ext>
+          </a:extLst>
+        </p:spPr>
+      </p:pic>
     </p:spTree>
+    <p:extLst>
+      <p:ext uri="{BB962C8B-B14F-4D97-AF65-F5344CB8AC3E}">
+        <p14:creationId xmlns:p14="http://schemas.microsoft.com/office/powerpoint/2010/main" val="3839498752"/>
+      </p:ext>
+    </p:extLst>
   </p:cSld>
   <p:clrMapOvr>
     <a:masterClrMapping/>
@@ -10389,59 +10297,79 @@
         </p:nvSpPr>
         <p:spPr>
           <a:xfrm>
-            <a:off x="457200" y="1000108"/>
-            <a:ext cx="7467600" cy="1643074"/>
+            <a:off x="611560" y="1000108"/>
+            <a:ext cx="7467600" cy="772708"/>
           </a:xfrm>
         </p:spPr>
         <p:txBody>
           <a:bodyPr>
-            <a:normAutofit fontScale="85000" lnSpcReduction="20000"/>
+            <a:normAutofit fontScale="25000" lnSpcReduction="20000"/>
           </a:bodyPr>
           <a:lstStyle/>
+          <a:p>
+            <a:pPr algn="ctr">
+              <a:buNone/>
+            </a:pPr>
+            <a:r>
+              <a:rPr lang="en-US" sz="9600" b="1" dirty="0" smtClean="0">
+                <a:latin typeface="Times New Roman" panose="02020603050405020304" pitchFamily="18" charset="0"/>
+                <a:cs typeface="Times New Roman" panose="02020603050405020304" pitchFamily="18" charset="0"/>
+              </a:rPr>
+              <a:t>HTML5, CSS3, </a:t>
+            </a:r>
+            <a:r>
+              <a:rPr lang="en-US" sz="9600" b="1" dirty="0" err="1" smtClean="0">
+                <a:latin typeface="Times New Roman" panose="02020603050405020304" pitchFamily="18" charset="0"/>
+                <a:cs typeface="Times New Roman" panose="02020603050405020304" pitchFamily="18" charset="0"/>
+              </a:rPr>
+              <a:t>Javascript</a:t>
+            </a:r>
+            <a:r>
+              <a:rPr lang="vi-VN" sz="9600" b="1" dirty="0" smtClean="0">
+                <a:latin typeface="Times New Roman" panose="02020603050405020304" pitchFamily="18" charset="0"/>
+                <a:cs typeface="Times New Roman" panose="02020603050405020304" pitchFamily="18" charset="0"/>
+              </a:rPr>
+              <a:t>:</a:t>
+            </a:r>
+            <a:endParaRPr lang="en-US" sz="12000" b="1" dirty="0" smtClean="0">
+              <a:latin typeface="Times New Roman" panose="02020603050405020304" pitchFamily="18" charset="0"/>
+              <a:cs typeface="Times New Roman" panose="02020603050405020304" pitchFamily="18" charset="0"/>
+            </a:endParaRPr>
+          </a:p>
           <a:p>
             <a:pPr>
               <a:buNone/>
             </a:pPr>
-            <a:r>
-              <a:rPr lang="vi-VN" b="1" dirty="0" smtClean="0"/>
-              <a:t>	PhoneGap: </a:t>
-            </a:r>
+            <a:endParaRPr lang="en-US" b="1" dirty="0" smtClean="0"/>
           </a:p>
           <a:p>
             <a:pPr>
               <a:buNone/>
             </a:pPr>
             <a:r>
-              <a:rPr lang="vi-VN" dirty="0" smtClean="0"/>
-              <a:t>		Là một framework phát triển các ứng dụng trên mobile. </a:t>
-            </a:r>
-            <a:r>
               <a:rPr lang="vi-VN" b="1" dirty="0" smtClean="0"/>
-              <a:t>PhoneGap</a:t>
-            </a:r>
-            <a:r>
-              <a:rPr lang="vi-VN" dirty="0" smtClean="0"/>
-              <a:t> cho phép các lập trình viên xây dựng các ứng dụng trên các thiết bị di động chỉ cần sử dụng HTML5, CSS3 và JavaScript thay vì cần phải sử dụng các ngôn ngữ riêng biệt cho từng platforms riêng biệt.</a:t>
-            </a:r>
-          </a:p>
-          <a:p>
-            <a:pPr>
-              <a:buNone/>
-            </a:pPr>
-            <a:endParaRPr lang="vi-VN" dirty="0" smtClean="0"/>
+              <a:t> </a:t>
+            </a:r>
+            <a:endParaRPr lang="en-US" b="1" dirty="0" smtClean="0"/>
           </a:p>
         </p:txBody>
       </p:sp>
       <p:pic>
         <p:nvPicPr>
-          <p:cNvPr id="6" name="Picture 2"/>
+          <p:cNvPr id="10244" name="Picture 4" descr="http://akraya.com/wp-content/uploads/2013/07/web-trifecta_html5_css3_js-strict.png"/>
           <p:cNvPicPr>
             <a:picLocks noChangeAspect="1" noChangeArrowheads="1"/>
           </p:cNvPicPr>
           <p:nvPr/>
         </p:nvPicPr>
         <p:blipFill>
-          <a:blip r:embed="rId2"/>
+          <a:blip r:embed="rId2">
+            <a:extLst>
+              <a:ext uri="{28A0092B-C50C-407E-A947-70E740481C1C}">
+                <a14:useLocalDpi xmlns:a14="http://schemas.microsoft.com/office/drawing/2010/main" val="0"/>
+              </a:ext>
+            </a:extLst>
+          </a:blip>
           <a:srcRect/>
           <a:stretch>
             <a:fillRect/>
@@ -10449,23 +10377,30 @@
         </p:blipFill>
         <p:spPr bwMode="auto">
           <a:xfrm>
-            <a:off x="357158" y="2643182"/>
-            <a:ext cx="7786742" cy="3357586"/>
+            <a:off x="1226950" y="1924302"/>
+            <a:ext cx="5928100" cy="3473496"/>
           </a:xfrm>
           <a:prstGeom prst="rect">
             <a:avLst/>
           </a:prstGeom>
           <a:noFill/>
-          <a:ln w="9525">
-            <a:noFill/>
-            <a:miter lim="800000"/>
-            <a:headEnd/>
-            <a:tailEnd/>
-          </a:ln>
-          <a:effectLst/>
+          <a:extLst>
+            <a:ext uri="{909E8E84-426E-40DD-AFC4-6F175D3DCCD1}">
+              <a14:hiddenFill xmlns:a14="http://schemas.microsoft.com/office/drawing/2010/main">
+                <a:solidFill>
+                  <a:srgbClr val="FFFFFF"/>
+                </a:solidFill>
+              </a14:hiddenFill>
+            </a:ext>
+          </a:extLst>
         </p:spPr>
       </p:pic>
     </p:spTree>
+    <p:extLst>
+      <p:ext uri="{BB962C8B-B14F-4D97-AF65-F5344CB8AC3E}">
+        <p14:creationId xmlns:p14="http://schemas.microsoft.com/office/powerpoint/2010/main" val="9008931"/>
+      </p:ext>
+    </p:extLst>
   </p:cSld>
   <p:clrMapOvr>
     <a:masterClrMapping/>
@@ -10514,7 +10449,9 @@
           </a:xfrm>
         </p:spPr>
         <p:txBody>
-          <a:bodyPr/>
+          <a:bodyPr>
+            <a:normAutofit/>
+          </a:bodyPr>
           <a:lstStyle/>
           <a:p>
             <a:pPr algn="ctr"/>
@@ -10557,8 +10494,8 @@
         </p:nvSpPr>
         <p:spPr>
           <a:xfrm>
-            <a:off x="457200" y="1000108"/>
-            <a:ext cx="7467600" cy="5473844"/>
+            <a:off x="457200" y="960324"/>
+            <a:ext cx="7467600" cy="1143114"/>
           </a:xfrm>
         </p:spPr>
         <p:txBody>
@@ -10567,69 +10504,88 @@
           </a:bodyPr>
           <a:lstStyle/>
           <a:p>
+            <a:pPr algn="ctr">
+              <a:buNone/>
+            </a:pPr>
+            <a:r>
+              <a:rPr lang="en-US" b="1" dirty="0" smtClean="0"/>
+              <a:t>	</a:t>
+            </a:r>
+            <a:r>
+              <a:rPr lang="vi-VN" b="1" dirty="0" smtClean="0"/>
+              <a:t>jQuery</a:t>
+            </a:r>
+            <a:r>
+              <a:rPr lang="en-US" b="1" dirty="0" smtClean="0"/>
+              <a:t>, </a:t>
+            </a:r>
+            <a:r>
+              <a:rPr lang="en-US" b="1" dirty="0" smtClean="0">
+                <a:latin typeface="Times New Roman" panose="02020603050405020304" pitchFamily="18" charset="0"/>
+                <a:cs typeface="Times New Roman" panose="02020603050405020304" pitchFamily="18" charset="0"/>
+              </a:rPr>
+              <a:t>AJAX</a:t>
+            </a:r>
+            <a:r>
+              <a:rPr lang="en-US" b="1" dirty="0" smtClean="0"/>
+              <a:t>:</a:t>
+            </a:r>
+          </a:p>
+          <a:p>
             <a:pPr>
               <a:buNone/>
             </a:pPr>
-            <a:r>
-              <a:rPr lang="vi-VN" b="1" dirty="0" smtClean="0"/>
-              <a:t>	HTML5, CSS3</a:t>
-            </a:r>
-          </a:p>
-          <a:p>
-            <a:pPr>
-              <a:buNone/>
-            </a:pPr>
-            <a:r>
-              <a:rPr lang="vi-VN" dirty="0" smtClean="0"/>
-              <a:t>		</a:t>
-            </a:r>
-            <a:r>
-              <a:rPr lang="vi-VN" b="1" dirty="0" smtClean="0"/>
-              <a:t>HTML5</a:t>
-            </a:r>
-            <a:r>
-              <a:rPr lang="vi-VN" dirty="0" smtClean="0"/>
-              <a:t> là một ngôn ngữ cấu trúc và trình bày nội dung cho World Wide Web, là phiên bản thứ 5 của HTML nhằm mục đích cải thiện khả năng hỗ trợ cho đa phương tiện mới nhất trong khi vẫn giữ được việc con người và các thiết bị, các chương trình máy tính như trình duyệt web, trình đọc màn hình, v.v.. có thể đọc, hiểu, hay xử lý một cách dễ dàng</a:t>
-            </a:r>
-          </a:p>
-          <a:p>
-            <a:pPr>
-              <a:buNone/>
-            </a:pPr>
-            <a:r>
-              <a:rPr lang="vi-VN" dirty="0" smtClean="0"/>
-              <a:t>           </a:t>
-            </a:r>
-            <a:r>
-              <a:rPr lang="vi-VN" b="1" dirty="0" smtClean="0"/>
-              <a:t>CSS3</a:t>
-            </a:r>
-            <a:r>
-              <a:rPr lang="vi-VN" dirty="0" smtClean="0"/>
-              <a:t> cũng giống như CSS là những file hỗ trợ cho trình duyệt web trong việc hiển thị một trang HTML. Và sử dụng </a:t>
-            </a:r>
-            <a:r>
-              <a:rPr lang="vi-VN" b="1" dirty="0" smtClean="0"/>
-              <a:t>CSS3</a:t>
-            </a:r>
-            <a:r>
-              <a:rPr lang="vi-VN" dirty="0" smtClean="0"/>
-              <a:t> sẽ giúp việc thiết kế và xây dựng một trang Web trở nên dễ dàng hơn.</a:t>
-            </a:r>
-          </a:p>
-          <a:p>
-            <a:pPr>
-              <a:buNone/>
-            </a:pPr>
-            <a:r>
-              <a:rPr lang="vi-VN" dirty="0" smtClean="0"/>
-              <a:t> </a:t>
-            </a:r>
-            <a:endParaRPr lang="vi-VN" dirty="0"/>
-          </a:p>
-        </p:txBody>
-      </p:sp>
+            <a:endParaRPr lang="en-US" b="1" dirty="0" smtClean="0"/>
+          </a:p>
+        </p:txBody>
+      </p:sp>
+      <p:pic>
+        <p:nvPicPr>
+          <p:cNvPr id="6148" name="Picture 4" descr="http://seodom.org/attachments/Image/11.png?1392494964893"/>
+          <p:cNvPicPr>
+            <a:picLocks noChangeAspect="1" noChangeArrowheads="1"/>
+          </p:cNvPicPr>
+          <p:nvPr/>
+        </p:nvPicPr>
+        <p:blipFill>
+          <a:blip r:embed="rId2">
+            <a:extLst>
+              <a:ext uri="{28A0092B-C50C-407E-A947-70E740481C1C}">
+                <a14:useLocalDpi xmlns:a14="http://schemas.microsoft.com/office/drawing/2010/main" val="0"/>
+              </a:ext>
+            </a:extLst>
+          </a:blip>
+          <a:srcRect/>
+          <a:stretch>
+            <a:fillRect/>
+          </a:stretch>
+        </p:blipFill>
+        <p:spPr bwMode="auto">
+          <a:xfrm>
+            <a:off x="323528" y="2924944"/>
+            <a:ext cx="8242121" cy="1798043"/>
+          </a:xfrm>
+          <a:prstGeom prst="rect">
+            <a:avLst/>
+          </a:prstGeom>
+          <a:noFill/>
+          <a:extLst>
+            <a:ext uri="{909E8E84-426E-40DD-AFC4-6F175D3DCCD1}">
+              <a14:hiddenFill xmlns:a14="http://schemas.microsoft.com/office/drawing/2010/main">
+                <a:solidFill>
+                  <a:srgbClr val="FFFFFF"/>
+                </a:solidFill>
+              </a14:hiddenFill>
+            </a:ext>
+          </a:extLst>
+        </p:spPr>
+      </p:pic>
     </p:spTree>
+    <p:extLst>
+      <p:ext uri="{BB962C8B-B14F-4D97-AF65-F5344CB8AC3E}">
+        <p14:creationId xmlns:p14="http://schemas.microsoft.com/office/powerpoint/2010/main" val="1513956804"/>
+      </p:ext>
+    </p:extLst>
   </p:cSld>
   <p:clrMapOvr>
     <a:masterClrMapping/>
@@ -10723,72 +10679,101 @@
         </p:nvSpPr>
         <p:spPr>
           <a:xfrm>
-            <a:off x="457200" y="928670"/>
-            <a:ext cx="7472386" cy="5545282"/>
-          </a:xfrm>
-        </p:spPr>
-        <p:txBody>
-          <a:bodyPr/>
-          <a:lstStyle/>
+            <a:off x="457200" y="960324"/>
+            <a:ext cx="7467600" cy="1143114"/>
+          </a:xfrm>
+        </p:spPr>
+        <p:txBody>
+          <a:bodyPr>
+            <a:normAutofit/>
+          </a:bodyPr>
+          <a:lstStyle/>
+          <a:p>
+            <a:pPr algn="ctr">
+              <a:buNone/>
+            </a:pPr>
+            <a:r>
+              <a:rPr lang="en-US" b="1" dirty="0" smtClean="0"/>
+              <a:t>	PHP, </a:t>
+            </a:r>
+            <a:r>
+              <a:rPr lang="en-US" b="1" dirty="0" smtClean="0">
+                <a:latin typeface="Times New Roman" panose="02020603050405020304" pitchFamily="18" charset="0"/>
+                <a:cs typeface="Times New Roman" panose="02020603050405020304" pitchFamily="18" charset="0"/>
+              </a:rPr>
+              <a:t>MySQL</a:t>
+            </a:r>
+            <a:r>
+              <a:rPr lang="en-US" b="1" dirty="0" smtClean="0"/>
+              <a:t>:</a:t>
+            </a:r>
+          </a:p>
           <a:p>
             <a:pPr>
               <a:buNone/>
             </a:pPr>
-            <a:r>
-              <a:rPr lang="vi-VN" b="1" dirty="0" smtClean="0"/>
-              <a:t>JavaScript, Jquery</a:t>
-            </a:r>
-          </a:p>
-          <a:p>
-            <a:pPr>
-              <a:buNone/>
-            </a:pPr>
-            <a:r>
-              <a:rPr lang="vi-VN" dirty="0" smtClean="0"/>
-              <a:t>		</a:t>
-            </a:r>
-            <a:r>
-              <a:rPr lang="vi-VN" b="1" dirty="0" smtClean="0"/>
-              <a:t>JavaScript</a:t>
-            </a:r>
-            <a:r>
-              <a:rPr lang="vi-VN" dirty="0" smtClean="0"/>
-              <a:t> là một ngôn ngữ lập trình kịch bản, được dùng phổ biến như một phần của web browsers, với mục đích tương tác với người dùng, kiểm soát browser, giao tiếp không đồng bộ và thay đổi các nội dung của document đã được hiển thị.</a:t>
-            </a:r>
-          </a:p>
-          <a:p>
-            <a:pPr>
-              <a:buNone/>
-            </a:pPr>
-            <a:r>
-              <a:rPr lang="vi-VN" dirty="0" smtClean="0"/>
-              <a:t>		</a:t>
-            </a:r>
-            <a:r>
-              <a:rPr lang="vi-VN" b="1" dirty="0" smtClean="0"/>
-              <a:t>jQuery</a:t>
-            </a:r>
-            <a:r>
-              <a:rPr lang="vi-VN" dirty="0" smtClean="0"/>
-              <a:t> là một Javascript Framework, một thư viện kiểu mới của Javascript hỗ trợ các nhà lập trình web tạo ra các tương tác động trên website. </a:t>
-            </a:r>
-            <a:r>
-              <a:rPr lang="vi-VN" b="1" dirty="0" smtClean="0"/>
-              <a:t>jQuery</a:t>
-            </a:r>
-            <a:r>
-              <a:rPr lang="vi-VN" dirty="0" smtClean="0"/>
-              <a:t> đơn giản hóa cách viết Javascript và tăng tốc độ xử lý các sự kiện trên trang web, giúp tiết kiệm thời gian và công sức rất nhiều so với việc ngồi viết javascript theo cách thông thường.</a:t>
-            </a:r>
-            <a:endParaRPr lang="vi-VN" dirty="0"/>
-          </a:p>
-        </p:txBody>
-      </p:sp>
+            <a:endParaRPr lang="en-US" b="1" dirty="0" smtClean="0"/>
+          </a:p>
+        </p:txBody>
+      </p:sp>
+      <p:pic>
+        <p:nvPicPr>
+          <p:cNvPr id="5" name="Picture 2" descr="http://broadwayinfosys.com/images/PHP-Mysql.png"/>
+          <p:cNvPicPr>
+            <a:picLocks noChangeAspect="1" noChangeArrowheads="1"/>
+          </p:cNvPicPr>
+          <p:nvPr/>
+        </p:nvPicPr>
+        <p:blipFill>
+          <a:blip r:embed="rId2">
+            <a:extLst>
+              <a:ext uri="{28A0092B-C50C-407E-A947-70E740481C1C}">
+                <a14:useLocalDpi xmlns:a14="http://schemas.microsoft.com/office/drawing/2010/main" val="0"/>
+              </a:ext>
+            </a:extLst>
+          </a:blip>
+          <a:srcRect/>
+          <a:stretch>
+            <a:fillRect/>
+          </a:stretch>
+        </p:blipFill>
+        <p:spPr bwMode="auto">
+          <a:xfrm>
+            <a:off x="1809750" y="2206530"/>
+            <a:ext cx="4762500" cy="2571751"/>
+          </a:xfrm>
+          <a:prstGeom prst="rect">
+            <a:avLst/>
+          </a:prstGeom>
+          <a:noFill/>
+          <a:extLst>
+            <a:ext uri="{909E8E84-426E-40DD-AFC4-6F175D3DCCD1}">
+              <a14:hiddenFill xmlns:a14="http://schemas.microsoft.com/office/drawing/2010/main">
+                <a:solidFill>
+                  <a:srgbClr val="FFFFFF"/>
+                </a:solidFill>
+              </a14:hiddenFill>
+            </a:ext>
+          </a:extLst>
+        </p:spPr>
+      </p:pic>
     </p:spTree>
+    <p:extLst>
+      <p:ext uri="{BB962C8B-B14F-4D97-AF65-F5344CB8AC3E}">
+        <p14:creationId xmlns:p14="http://schemas.microsoft.com/office/powerpoint/2010/main" val="3030732624"/>
+      </p:ext>
+    </p:extLst>
   </p:cSld>
   <p:clrMapOvr>
     <a:masterClrMapping/>
   </p:clrMapOvr>
+  <p:timing>
+    <p:tnLst>
+      <p:par>
+        <p:cTn id="1" dur="indefinite" restart="never" nodeType="tmRoot"/>
+      </p:par>
+    </p:tnLst>
+  </p:timing>
 </p:sld>
 </file>
 
@@ -10819,16 +10804,9 @@
             <p:ph type="title"/>
           </p:nvPr>
         </p:nvSpPr>
-        <p:spPr>
-          <a:xfrm>
-            <a:off x="457200" y="274638"/>
-            <a:ext cx="7467600" cy="654032"/>
-          </a:xfrm>
-        </p:spPr>
-        <p:txBody>
-          <a:bodyPr>
-            <a:normAutofit/>
-          </a:bodyPr>
+        <p:spPr/>
+        <p:txBody>
+          <a:bodyPr anchor="ctr" anchorCtr="0"/>
           <a:lstStyle/>
           <a:p>
             <a:pPr algn="ctr"/>
@@ -10853,9 +10831,28 @@
                   </a:outerShdw>
                 </a:effectLst>
               </a:rPr>
-              <a:t>3. CƠ SỞ LÝ THUYẾT (TT)</a:t>
-            </a:r>
-            <a:endParaRPr lang="vi-VN" dirty="0"/>
+              <a:t>4. THIẾT KẾ CHƯƠNG TRÌNH</a:t>
+            </a:r>
+            <a:endParaRPr lang="vi-VN" b="1" cap="none" dirty="0">
+              <a:ln w="12700">
+                <a:solidFill>
+                  <a:schemeClr val="tx2">
+                    <a:satMod val="155000"/>
+                  </a:schemeClr>
+                </a:solidFill>
+                <a:prstDash val="solid"/>
+              </a:ln>
+              <a:solidFill>
+                <a:schemeClr val="tx1"/>
+              </a:solidFill>
+              <a:effectLst>
+                <a:outerShdw blurRad="41275" dist="20320" dir="1800000" algn="tl" rotWithShape="0">
+                  <a:srgbClr val="000000">
+                    <a:alpha val="40000"/>
+                  </a:srgbClr>
+                </a:outerShdw>
+              </a:effectLst>
+            </a:endParaRPr>
           </a:p>
         </p:txBody>
       </p:sp>
@@ -10871,8 +10868,8 @@
         </p:nvSpPr>
         <p:spPr>
           <a:xfrm>
-            <a:off x="457200" y="1000108"/>
-            <a:ext cx="7467600" cy="5473844"/>
+            <a:off x="457200" y="1285860"/>
+            <a:ext cx="7467600" cy="2071702"/>
           </a:xfrm>
         </p:spPr>
         <p:txBody>
@@ -10882,57 +10879,7 @@
             <a:pPr>
               <a:buNone/>
             </a:pPr>
-            <a:r>
-              <a:rPr lang="vi-VN" b="1" dirty="0" smtClean="0"/>
-              <a:t>PHP, MySQL</a:t>
-            </a:r>
-          </a:p>
-          <a:p>
-            <a:pPr>
-              <a:buNone/>
-            </a:pPr>
-            <a:r>
-              <a:rPr lang="vi-VN" b="1" dirty="0" smtClean="0"/>
-              <a:t>		PHP</a:t>
-            </a:r>
-            <a:r>
-              <a:rPr lang="vi-VN" dirty="0" smtClean="0"/>
-              <a:t> là một ngôn ngữ lập trình kịch bản hay một loại mã lệnh chủ yếu được dùng để phát triển các ứng dụng viết cho máy chủ, mã nguồn mở, dùng cho mục đích tổng quát.</a:t>
-            </a:r>
-          </a:p>
-          <a:p>
-            <a:pPr>
-              <a:buNone/>
-            </a:pPr>
-            <a:r>
-              <a:rPr lang="vi-VN" dirty="0" smtClean="0"/>
-              <a:t>		</a:t>
-            </a:r>
-            <a:r>
-              <a:rPr lang="vi-VN" b="1" dirty="0" smtClean="0"/>
-              <a:t>MySQL</a:t>
-            </a:r>
-            <a:r>
-              <a:rPr lang="vi-VN" dirty="0" smtClean="0"/>
-              <a:t> là hệ quản trị cơ sở dữ liệu tự do nguồn mở phổ biến nhất thế giới và được các nhà phát triển rất ưa chuộng trong quá trình phát triển ứng dụng. Vì </a:t>
-            </a:r>
-            <a:r>
-              <a:rPr lang="vi-VN" b="1" dirty="0" smtClean="0"/>
-              <a:t>MySQL</a:t>
-            </a:r>
-            <a:r>
-              <a:rPr lang="vi-VN" dirty="0" smtClean="0"/>
-              <a:t> là cơ sở dữ liệu tốc độ cao, ổn định và dễ sử dụng, có tính khả chuyển, hoạt động trên nhiều hệ điều hành cung cấp một hệ thống lớn các hàm tiện ích rất mạnh. Với tốc độ và tính bảo mật cao, </a:t>
-            </a:r>
-            <a:r>
-              <a:rPr lang="vi-VN" b="1" dirty="0" smtClean="0"/>
-              <a:t>MySQL</a:t>
-            </a:r>
-            <a:r>
-              <a:rPr lang="vi-VN" dirty="0" smtClean="0"/>
-              <a:t> rất thích hợp cho các ứng dụng có truy cập CSDL trên internet.</a:t>
-            </a:r>
-            <a:endParaRPr lang="vi-VN" dirty="0"/>
+            <a:endParaRPr lang="vi-VN" b="1" dirty="0" smtClean="0"/>
           </a:p>
         </p:txBody>
       </p:sp>
@@ -10941,6 +10888,16 @@
   <p:clrMapOvr>
     <a:masterClrMapping/>
   </p:clrMapOvr>
+  <p:transition>
+    <p:wipe/>
+  </p:transition>
+  <p:timing>
+    <p:tnLst>
+      <p:par>
+        <p:cTn id="1" dur="indefinite" restart="never" nodeType="tmRoot"/>
+      </p:par>
+    </p:tnLst>
+  </p:timing>
 </p:sld>
 </file>
 

--- a/slide_luanvan.pptx
+++ b/slide_luanvan.pptx
@@ -6,10 +6,10 @@
     <p:sldMasterId id="2147483852" r:id="rId2"/>
   </p:sldMasterIdLst>
   <p:notesMasterIdLst>
-    <p:notesMasterId r:id="rId15"/>
+    <p:notesMasterId r:id="rId20"/>
   </p:notesMasterIdLst>
   <p:handoutMasterIdLst>
-    <p:handoutMasterId r:id="rId16"/>
+    <p:handoutMasterId r:id="rId21"/>
   </p:handoutMasterIdLst>
   <p:sldIdLst>
     <p:sldId id="256" r:id="rId3"/>
@@ -21,9 +21,14 @@
     <p:sldId id="279" r:id="rId9"/>
     <p:sldId id="284" r:id="rId10"/>
     <p:sldId id="259" r:id="rId11"/>
-    <p:sldId id="270" r:id="rId12"/>
-    <p:sldId id="271" r:id="rId13"/>
-    <p:sldId id="269" r:id="rId14"/>
+    <p:sldId id="285" r:id="rId12"/>
+    <p:sldId id="286" r:id="rId13"/>
+    <p:sldId id="287" r:id="rId14"/>
+    <p:sldId id="288" r:id="rId15"/>
+    <p:sldId id="289" r:id="rId16"/>
+    <p:sldId id="270" r:id="rId17"/>
+    <p:sldId id="271" r:id="rId18"/>
+    <p:sldId id="269" r:id="rId19"/>
   </p:sldIdLst>
   <p:sldSz cx="9144000" cy="6858000" type="screen4x3"/>
   <p:notesSz cx="6858000" cy="9144000"/>
@@ -9182,12 +9187,7 @@
             <p:ph type="title"/>
           </p:nvPr>
         </p:nvSpPr>
-        <p:spPr>
-          <a:xfrm>
-            <a:off x="457200" y="274638"/>
-            <a:ext cx="7467600" cy="868346"/>
-          </a:xfrm>
-        </p:spPr>
+        <p:spPr/>
         <p:txBody>
           <a:bodyPr anchor="ctr" anchorCtr="0"/>
           <a:lstStyle/>
@@ -9195,31 +9195,368 @@
             <a:pPr algn="ctr"/>
             <a:r>
               <a:rPr lang="vi-VN" b="1" cap="none" dirty="0" smtClean="0">
-                <a:ln w="18000">
+                <a:ln w="12700">
                   <a:solidFill>
-                    <a:schemeClr val="tx1"/>
+                    <a:schemeClr val="tx2">
+                      <a:satMod val="155000"/>
+                    </a:schemeClr>
                   </a:solidFill>
                   <a:prstDash val="solid"/>
-                  <a:miter lim="800000"/>
                 </a:ln>
                 <a:solidFill>
                   <a:schemeClr val="tx1"/>
                 </a:solidFill>
                 <a:effectLst>
-                  <a:outerShdw blurRad="25500" dist="23000" dir="7020000" algn="tl">
+                  <a:outerShdw blurRad="41275" dist="20320" dir="1800000" algn="tl" rotWithShape="0">
                     <a:srgbClr val="000000">
-                      <a:alpha val="50000"/>
+                      <a:alpha val="40000"/>
                     </a:srgbClr>
                   </a:outerShdw>
                 </a:effectLst>
               </a:rPr>
-              <a:t>5. DEMO</a:t>
-            </a:r>
-            <a:endParaRPr lang="vi-VN" dirty="0"/>
-          </a:p>
-        </p:txBody>
-      </p:sp>
+              <a:t>4. THIẾT KẾ CHƯƠNG </a:t>
+            </a:r>
+            <a:r>
+              <a:rPr lang="vi-VN" b="1" cap="none" dirty="0" smtClean="0">
+                <a:ln w="12700">
+                  <a:solidFill>
+                    <a:schemeClr val="tx2">
+                      <a:satMod val="155000"/>
+                    </a:schemeClr>
+                  </a:solidFill>
+                  <a:prstDash val="solid"/>
+                </a:ln>
+                <a:solidFill>
+                  <a:schemeClr val="tx1"/>
+                </a:solidFill>
+                <a:effectLst>
+                  <a:outerShdw blurRad="41275" dist="20320" dir="1800000" algn="tl" rotWithShape="0">
+                    <a:srgbClr val="000000">
+                      <a:alpha val="40000"/>
+                    </a:srgbClr>
+                  </a:outerShdw>
+                </a:effectLst>
+              </a:rPr>
+              <a:t>TRÌNH</a:t>
+            </a:r>
+            <a:r>
+              <a:rPr lang="en-US" b="1" cap="none" dirty="0" smtClean="0">
+                <a:ln w="12700">
+                  <a:solidFill>
+                    <a:schemeClr val="tx2">
+                      <a:satMod val="155000"/>
+                    </a:schemeClr>
+                  </a:solidFill>
+                  <a:prstDash val="solid"/>
+                </a:ln>
+                <a:solidFill>
+                  <a:schemeClr val="tx1"/>
+                </a:solidFill>
+                <a:effectLst>
+                  <a:outerShdw blurRad="41275" dist="20320" dir="1800000" algn="tl" rotWithShape="0">
+                    <a:srgbClr val="000000">
+                      <a:alpha val="40000"/>
+                    </a:srgbClr>
+                  </a:outerShdw>
+                </a:effectLst>
+              </a:rPr>
+              <a:t> (TT)</a:t>
+            </a:r>
+            <a:endParaRPr lang="vi-VN" b="1" cap="none" dirty="0">
+              <a:ln w="12700">
+                <a:solidFill>
+                  <a:schemeClr val="tx2">
+                    <a:satMod val="155000"/>
+                  </a:schemeClr>
+                </a:solidFill>
+                <a:prstDash val="solid"/>
+              </a:ln>
+              <a:solidFill>
+                <a:schemeClr val="tx1"/>
+              </a:solidFill>
+              <a:effectLst>
+                <a:outerShdw blurRad="41275" dist="20320" dir="1800000" algn="tl" rotWithShape="0">
+                  <a:srgbClr val="000000">
+                    <a:alpha val="40000"/>
+                  </a:srgbClr>
+                </a:outerShdw>
+              </a:effectLst>
+            </a:endParaRPr>
+          </a:p>
+        </p:txBody>
+      </p:sp>
+      <p:sp>
+        <p:nvSpPr>
+          <p:cNvPr id="3" name="Content Placeholder 2"/>
+          <p:cNvSpPr>
+            <a:spLocks noGrp="1"/>
+          </p:cNvSpPr>
+          <p:nvPr>
+            <p:ph sz="quarter" idx="1"/>
+          </p:nvPr>
+        </p:nvSpPr>
+        <p:spPr>
+          <a:xfrm>
+            <a:off x="457200" y="1285860"/>
+            <a:ext cx="7467600" cy="2071702"/>
+          </a:xfrm>
+        </p:spPr>
+        <p:txBody>
+          <a:bodyPr>
+            <a:normAutofit/>
+          </a:bodyPr>
+          <a:lstStyle/>
+          <a:p>
+            <a:r>
+              <a:rPr lang="en-US" dirty="0" err="1" smtClean="0"/>
+              <a:t>Phương</a:t>
+            </a:r>
+            <a:r>
+              <a:rPr lang="en-US" dirty="0" smtClean="0"/>
+              <a:t> </a:t>
+            </a:r>
+            <a:r>
+              <a:rPr lang="en-US" dirty="0" err="1" smtClean="0"/>
+              <a:t>pháp</a:t>
+            </a:r>
+            <a:r>
+              <a:rPr lang="en-US" dirty="0" smtClean="0"/>
+              <a:t>:</a:t>
+            </a:r>
+          </a:p>
+          <a:p>
+            <a:pPr lvl="1"/>
+            <a:r>
+              <a:rPr lang="en-US" dirty="0" err="1" smtClean="0"/>
+              <a:t>Phân</a:t>
+            </a:r>
+            <a:r>
+              <a:rPr lang="en-US" dirty="0" smtClean="0"/>
+              <a:t> </a:t>
+            </a:r>
+            <a:r>
+              <a:rPr lang="en-US" dirty="0" err="1"/>
+              <a:t>quyền</a:t>
+            </a:r>
+            <a:r>
+              <a:rPr lang="en-US" dirty="0"/>
+              <a:t>:</a:t>
+            </a:r>
+          </a:p>
+          <a:p>
+            <a:pPr marL="0" indent="0">
+              <a:buNone/>
+            </a:pPr>
+            <a:r>
+              <a:rPr lang="en-US" dirty="0"/>
+              <a:t>	</a:t>
+            </a:r>
+            <a:r>
+              <a:rPr lang="en-US" dirty="0" err="1" smtClean="0"/>
+              <a:t>Dựa</a:t>
+            </a:r>
+            <a:r>
+              <a:rPr lang="en-US" dirty="0" smtClean="0"/>
+              <a:t> </a:t>
+            </a:r>
+            <a:r>
+              <a:rPr lang="en-US" dirty="0" err="1"/>
+              <a:t>theo</a:t>
+            </a:r>
+            <a:r>
+              <a:rPr lang="en-US" dirty="0"/>
+              <a:t> </a:t>
+            </a:r>
+            <a:r>
+              <a:rPr lang="en-US" dirty="0" err="1"/>
+              <a:t>nhiệm</a:t>
+            </a:r>
+            <a:r>
+              <a:rPr lang="en-US" dirty="0"/>
+              <a:t> </a:t>
+            </a:r>
+            <a:r>
+              <a:rPr lang="en-US" dirty="0" err="1"/>
+              <a:t>vụ</a:t>
+            </a:r>
+            <a:r>
+              <a:rPr lang="en-US" dirty="0"/>
+              <a:t> </a:t>
+            </a:r>
+            <a:r>
+              <a:rPr lang="en-US" dirty="0" err="1"/>
+              <a:t>của</a:t>
+            </a:r>
+            <a:r>
+              <a:rPr lang="en-US" dirty="0"/>
+              <a:t> </a:t>
+            </a:r>
+            <a:r>
+              <a:rPr lang="en-US" dirty="0" err="1"/>
+              <a:t>từng</a:t>
+            </a:r>
+            <a:r>
+              <a:rPr lang="en-US" dirty="0"/>
+              <a:t> </a:t>
+            </a:r>
+            <a:r>
+              <a:rPr lang="en-US" dirty="0" err="1"/>
+              <a:t>cá</a:t>
+            </a:r>
+            <a:r>
+              <a:rPr lang="en-US" dirty="0"/>
+              <a:t> </a:t>
+            </a:r>
+            <a:r>
+              <a:rPr lang="en-US" dirty="0" err="1"/>
+              <a:t>nhân</a:t>
+            </a:r>
+            <a:r>
+              <a:rPr lang="en-US" dirty="0"/>
+              <a:t> </a:t>
+            </a:r>
+            <a:r>
+              <a:rPr lang="en-US" dirty="0" err="1"/>
+              <a:t>mà</a:t>
+            </a:r>
+            <a:r>
+              <a:rPr lang="en-US" dirty="0"/>
+              <a:t> </a:t>
+            </a:r>
+            <a:r>
+              <a:rPr lang="en-US" dirty="0" err="1"/>
+              <a:t>phân</a:t>
+            </a:r>
+            <a:r>
+              <a:rPr lang="en-US" dirty="0"/>
+              <a:t> </a:t>
+            </a:r>
+            <a:r>
+              <a:rPr lang="en-US" dirty="0" err="1"/>
+              <a:t>quyền</a:t>
+            </a:r>
+            <a:r>
+              <a:rPr lang="en-US" dirty="0"/>
+              <a:t> </a:t>
+            </a:r>
+            <a:r>
+              <a:rPr lang="en-US" dirty="0" err="1"/>
+              <a:t>để</a:t>
+            </a:r>
+            <a:r>
+              <a:rPr lang="en-US" dirty="0"/>
+              <a:t> </a:t>
+            </a:r>
+            <a:r>
+              <a:rPr lang="en-US" dirty="0" err="1"/>
+              <a:t>có</a:t>
+            </a:r>
+            <a:r>
+              <a:rPr lang="en-US" dirty="0"/>
+              <a:t> </a:t>
+            </a:r>
+            <a:r>
+              <a:rPr lang="en-US" dirty="0" err="1"/>
+              <a:t>thể</a:t>
+            </a:r>
+            <a:r>
+              <a:rPr lang="en-US" dirty="0"/>
+              <a:t> </a:t>
+            </a:r>
+            <a:r>
+              <a:rPr lang="en-US" dirty="0" err="1"/>
+              <a:t>sử</a:t>
+            </a:r>
+            <a:r>
+              <a:rPr lang="en-US" dirty="0"/>
+              <a:t> </a:t>
+            </a:r>
+            <a:r>
+              <a:rPr lang="en-US" dirty="0" err="1"/>
+              <a:t>dụng</a:t>
+            </a:r>
+            <a:r>
+              <a:rPr lang="en-US" dirty="0"/>
+              <a:t> </a:t>
+            </a:r>
+            <a:r>
+              <a:rPr lang="en-US" dirty="0" err="1"/>
+              <a:t>các</a:t>
+            </a:r>
+            <a:r>
+              <a:rPr lang="en-US" dirty="0"/>
+              <a:t> </a:t>
+            </a:r>
+            <a:r>
+              <a:rPr lang="en-US" dirty="0" err="1"/>
+              <a:t>chức</a:t>
+            </a:r>
+            <a:r>
+              <a:rPr lang="en-US" dirty="0"/>
+              <a:t> </a:t>
+            </a:r>
+            <a:r>
+              <a:rPr lang="en-US" dirty="0" err="1"/>
+              <a:t>năng</a:t>
+            </a:r>
+            <a:r>
+              <a:rPr lang="en-US" dirty="0"/>
+              <a:t> </a:t>
+            </a:r>
+            <a:r>
+              <a:rPr lang="en-US" dirty="0" err="1"/>
+              <a:t>tương</a:t>
+            </a:r>
+            <a:r>
+              <a:rPr lang="en-US" dirty="0"/>
+              <a:t> </a:t>
+            </a:r>
+            <a:endParaRPr lang="en-US" dirty="0" smtClean="0"/>
+          </a:p>
+          <a:p>
+            <a:pPr marL="0" indent="0">
+              <a:buNone/>
+            </a:pPr>
+            <a:endParaRPr lang="vi-VN" b="1" dirty="0" smtClean="0"/>
+          </a:p>
+        </p:txBody>
+      </p:sp>
+      <p:pic>
+        <p:nvPicPr>
+          <p:cNvPr id="4" name="Picture 3"/>
+          <p:cNvPicPr>
+            <a:picLocks noChangeAspect="1"/>
+          </p:cNvPicPr>
+          <p:nvPr/>
+        </p:nvPicPr>
+        <p:blipFill>
+          <a:blip r:embed="rId2" cstate="print">
+            <a:extLst>
+              <a:ext uri="{28A0092B-C50C-407E-A947-70E740481C1C}">
+                <a14:useLocalDpi xmlns:a14="http://schemas.microsoft.com/office/drawing/2010/main" val="0"/>
+              </a:ext>
+            </a:extLst>
+          </a:blip>
+          <a:stretch>
+            <a:fillRect/>
+          </a:stretch>
+        </p:blipFill>
+        <p:spPr>
+          <a:xfrm>
+            <a:off x="1713924" y="3068960"/>
+            <a:ext cx="4954151" cy="3096344"/>
+          </a:xfrm>
+          <a:prstGeom prst="rect">
+            <a:avLst/>
+          </a:prstGeom>
+        </p:spPr>
+      </p:pic>
     </p:spTree>
+    <p:extLst>
+      <p:ext uri="{BB962C8B-B14F-4D97-AF65-F5344CB8AC3E}">
+        <p14:creationId xmlns:p14="http://schemas.microsoft.com/office/powerpoint/2010/main" val="3222365797"/>
+      </p:ext>
+    </p:extLst>
   </p:cSld>
   <p:clrMapOvr>
     <a:masterClrMapping/>
@@ -9264,6 +9601,966 @@
             <p:ph type="title"/>
           </p:nvPr>
         </p:nvSpPr>
+        <p:spPr/>
+        <p:txBody>
+          <a:bodyPr anchor="ctr" anchorCtr="0"/>
+          <a:lstStyle/>
+          <a:p>
+            <a:pPr algn="ctr"/>
+            <a:r>
+              <a:rPr lang="vi-VN" b="1" cap="none" dirty="0" smtClean="0">
+                <a:ln w="12700">
+                  <a:solidFill>
+                    <a:schemeClr val="tx2">
+                      <a:satMod val="155000"/>
+                    </a:schemeClr>
+                  </a:solidFill>
+                  <a:prstDash val="solid"/>
+                </a:ln>
+                <a:solidFill>
+                  <a:schemeClr val="tx1"/>
+                </a:solidFill>
+                <a:effectLst>
+                  <a:outerShdw blurRad="41275" dist="20320" dir="1800000" algn="tl" rotWithShape="0">
+                    <a:srgbClr val="000000">
+                      <a:alpha val="40000"/>
+                    </a:srgbClr>
+                  </a:outerShdw>
+                </a:effectLst>
+              </a:rPr>
+              <a:t>4. THIẾT KẾ CHƯƠNG </a:t>
+            </a:r>
+            <a:r>
+              <a:rPr lang="vi-VN" b="1" cap="none" dirty="0" smtClean="0">
+                <a:ln w="12700">
+                  <a:solidFill>
+                    <a:schemeClr val="tx2">
+                      <a:satMod val="155000"/>
+                    </a:schemeClr>
+                  </a:solidFill>
+                  <a:prstDash val="solid"/>
+                </a:ln>
+                <a:solidFill>
+                  <a:schemeClr val="tx1"/>
+                </a:solidFill>
+                <a:effectLst>
+                  <a:outerShdw blurRad="41275" dist="20320" dir="1800000" algn="tl" rotWithShape="0">
+                    <a:srgbClr val="000000">
+                      <a:alpha val="40000"/>
+                    </a:srgbClr>
+                  </a:outerShdw>
+                </a:effectLst>
+              </a:rPr>
+              <a:t>TRÌNH</a:t>
+            </a:r>
+            <a:r>
+              <a:rPr lang="en-US" b="1" cap="none" dirty="0" smtClean="0">
+                <a:ln w="12700">
+                  <a:solidFill>
+                    <a:schemeClr val="tx2">
+                      <a:satMod val="155000"/>
+                    </a:schemeClr>
+                  </a:solidFill>
+                  <a:prstDash val="solid"/>
+                </a:ln>
+                <a:solidFill>
+                  <a:schemeClr val="tx1"/>
+                </a:solidFill>
+                <a:effectLst>
+                  <a:outerShdw blurRad="41275" dist="20320" dir="1800000" algn="tl" rotWithShape="0">
+                    <a:srgbClr val="000000">
+                      <a:alpha val="40000"/>
+                    </a:srgbClr>
+                  </a:outerShdw>
+                </a:effectLst>
+              </a:rPr>
+              <a:t> (TT)</a:t>
+            </a:r>
+            <a:endParaRPr lang="vi-VN" b="1" cap="none" dirty="0">
+              <a:ln w="12700">
+                <a:solidFill>
+                  <a:schemeClr val="tx2">
+                    <a:satMod val="155000"/>
+                  </a:schemeClr>
+                </a:solidFill>
+                <a:prstDash val="solid"/>
+              </a:ln>
+              <a:solidFill>
+                <a:schemeClr val="tx1"/>
+              </a:solidFill>
+              <a:effectLst>
+                <a:outerShdw blurRad="41275" dist="20320" dir="1800000" algn="tl" rotWithShape="0">
+                  <a:srgbClr val="000000">
+                    <a:alpha val="40000"/>
+                  </a:srgbClr>
+                </a:outerShdw>
+              </a:effectLst>
+            </a:endParaRPr>
+          </a:p>
+        </p:txBody>
+      </p:sp>
+      <p:sp>
+        <p:nvSpPr>
+          <p:cNvPr id="3" name="Content Placeholder 2"/>
+          <p:cNvSpPr>
+            <a:spLocks noGrp="1"/>
+          </p:cNvSpPr>
+          <p:nvPr>
+            <p:ph sz="quarter" idx="1"/>
+          </p:nvPr>
+        </p:nvSpPr>
+        <p:spPr>
+          <a:xfrm>
+            <a:off x="457200" y="1285860"/>
+            <a:ext cx="7467600" cy="2071702"/>
+          </a:xfrm>
+        </p:spPr>
+        <p:txBody>
+          <a:bodyPr>
+            <a:normAutofit/>
+          </a:bodyPr>
+          <a:lstStyle/>
+          <a:p>
+            <a:pPr lvl="1"/>
+            <a:r>
+              <a:rPr lang="en-US" dirty="0" err="1" smtClean="0"/>
+              <a:t>Quản</a:t>
+            </a:r>
+            <a:r>
+              <a:rPr lang="en-US" dirty="0" smtClean="0"/>
+              <a:t> </a:t>
+            </a:r>
+            <a:r>
+              <a:rPr lang="en-US" dirty="0" err="1"/>
+              <a:t>lý</a:t>
+            </a:r>
+            <a:r>
+              <a:rPr lang="en-US" dirty="0"/>
+              <a:t>:</a:t>
+            </a:r>
+          </a:p>
+          <a:p>
+            <a:pPr marL="0" indent="0">
+              <a:buNone/>
+            </a:pPr>
+            <a:r>
+              <a:rPr lang="en-US" dirty="0"/>
+              <a:t>	</a:t>
+            </a:r>
+            <a:r>
+              <a:rPr lang="en-US" dirty="0" err="1" smtClean="0"/>
+              <a:t>Xây</a:t>
+            </a:r>
+            <a:r>
+              <a:rPr lang="en-US" dirty="0" smtClean="0"/>
+              <a:t> </a:t>
+            </a:r>
+            <a:r>
+              <a:rPr lang="en-US" dirty="0" err="1"/>
+              <a:t>dựng</a:t>
+            </a:r>
+            <a:r>
+              <a:rPr lang="en-US" dirty="0"/>
+              <a:t> </a:t>
+            </a:r>
+            <a:r>
+              <a:rPr lang="en-US" dirty="0" err="1"/>
+              <a:t>hệ</a:t>
+            </a:r>
+            <a:r>
+              <a:rPr lang="en-US" dirty="0"/>
+              <a:t> </a:t>
+            </a:r>
+            <a:r>
+              <a:rPr lang="en-US" dirty="0" err="1"/>
+              <a:t>thống</a:t>
+            </a:r>
+            <a:r>
+              <a:rPr lang="en-US" dirty="0"/>
+              <a:t> </a:t>
+            </a:r>
+            <a:r>
+              <a:rPr lang="en-US" dirty="0" err="1"/>
+              <a:t>cơ</a:t>
+            </a:r>
+            <a:r>
+              <a:rPr lang="en-US" dirty="0"/>
+              <a:t> </a:t>
+            </a:r>
+            <a:r>
+              <a:rPr lang="en-US" dirty="0" err="1"/>
+              <a:t>sơ</a:t>
+            </a:r>
+            <a:r>
+              <a:rPr lang="en-US" dirty="0"/>
+              <a:t> </a:t>
+            </a:r>
+            <a:r>
+              <a:rPr lang="en-US" dirty="0" err="1"/>
+              <a:t>dữ</a:t>
+            </a:r>
+            <a:r>
+              <a:rPr lang="en-US" dirty="0"/>
+              <a:t> </a:t>
+            </a:r>
+            <a:r>
+              <a:rPr lang="en-US" dirty="0" err="1"/>
+              <a:t>liệu</a:t>
+            </a:r>
+            <a:r>
+              <a:rPr lang="en-US" dirty="0"/>
+              <a:t> </a:t>
+            </a:r>
+            <a:r>
+              <a:rPr lang="en-US" dirty="0" err="1"/>
+              <a:t>về</a:t>
+            </a:r>
+            <a:r>
+              <a:rPr lang="en-US" dirty="0"/>
+              <a:t> </a:t>
+            </a:r>
+            <a:r>
+              <a:rPr lang="en-US" dirty="0" err="1"/>
+              <a:t>thiết</a:t>
+            </a:r>
+            <a:r>
+              <a:rPr lang="en-US" dirty="0"/>
+              <a:t> </a:t>
+            </a:r>
+            <a:r>
+              <a:rPr lang="en-US" dirty="0" err="1"/>
+              <a:t>bị</a:t>
+            </a:r>
+            <a:r>
+              <a:rPr lang="en-US" dirty="0"/>
+              <a:t> </a:t>
+            </a:r>
+            <a:r>
+              <a:rPr lang="en-US" dirty="0" err="1"/>
+              <a:t>và</a:t>
+            </a:r>
+            <a:r>
+              <a:rPr lang="en-US" dirty="0"/>
+              <a:t> </a:t>
+            </a:r>
+            <a:r>
+              <a:rPr lang="en-US" dirty="0" err="1"/>
+              <a:t>các</a:t>
+            </a:r>
+            <a:r>
+              <a:rPr lang="en-US" dirty="0"/>
+              <a:t> </a:t>
+            </a:r>
+            <a:r>
+              <a:rPr lang="en-US" dirty="0" err="1"/>
+              <a:t>thông</a:t>
+            </a:r>
+            <a:r>
+              <a:rPr lang="en-US" dirty="0"/>
+              <a:t> tin </a:t>
+            </a:r>
+            <a:r>
+              <a:rPr lang="en-US" dirty="0" err="1"/>
+              <a:t>liên</a:t>
+            </a:r>
+            <a:r>
+              <a:rPr lang="en-US" dirty="0"/>
+              <a:t> </a:t>
+            </a:r>
+            <a:r>
+              <a:rPr lang="en-US" dirty="0" err="1"/>
+              <a:t>quan</a:t>
+            </a:r>
+            <a:r>
+              <a:rPr lang="en-US" dirty="0"/>
+              <a:t>.</a:t>
+            </a:r>
+            <a:endParaRPr lang="vi-VN" b="1" dirty="0" smtClean="0"/>
+          </a:p>
+        </p:txBody>
+      </p:sp>
+    </p:spTree>
+    <p:extLst>
+      <p:ext uri="{BB962C8B-B14F-4D97-AF65-F5344CB8AC3E}">
+        <p14:creationId xmlns:p14="http://schemas.microsoft.com/office/powerpoint/2010/main" val="2724941804"/>
+      </p:ext>
+    </p:extLst>
+  </p:cSld>
+  <p:clrMapOvr>
+    <a:masterClrMapping/>
+  </p:clrMapOvr>
+  <p:transition>
+    <p:wipe/>
+  </p:transition>
+  <p:timing>
+    <p:tnLst>
+      <p:par>
+        <p:cTn id="1" dur="indefinite" restart="never" nodeType="tmRoot"/>
+      </p:par>
+    </p:tnLst>
+  </p:timing>
+</p:sld>
+</file>
+
+<file path=ppt/slides/slide12.xml><?xml version="1.0" encoding="utf-8"?>
+<p:sld xmlns:a="http://schemas.openxmlformats.org/drawingml/2006/main" xmlns:r="http://schemas.openxmlformats.org/officeDocument/2006/relationships" xmlns:p="http://schemas.openxmlformats.org/presentationml/2006/main">
+  <p:cSld>
+    <p:spTree>
+      <p:nvGrpSpPr>
+        <p:cNvPr id="1" name=""/>
+        <p:cNvGrpSpPr/>
+        <p:nvPr/>
+      </p:nvGrpSpPr>
+      <p:grpSpPr>
+        <a:xfrm>
+          <a:off x="0" y="0"/>
+          <a:ext cx="0" cy="0"/>
+          <a:chOff x="0" y="0"/>
+          <a:chExt cx="0" cy="0"/>
+        </a:xfrm>
+      </p:grpSpPr>
+      <p:sp>
+        <p:nvSpPr>
+          <p:cNvPr id="2" name="Title 1"/>
+          <p:cNvSpPr>
+            <a:spLocks noGrp="1"/>
+          </p:cNvSpPr>
+          <p:nvPr>
+            <p:ph type="title"/>
+          </p:nvPr>
+        </p:nvSpPr>
+        <p:spPr/>
+        <p:txBody>
+          <a:bodyPr anchor="ctr" anchorCtr="0"/>
+          <a:lstStyle/>
+          <a:p>
+            <a:pPr algn="ctr"/>
+            <a:r>
+              <a:rPr lang="vi-VN" b="1" cap="none" dirty="0" smtClean="0">
+                <a:ln w="12700">
+                  <a:solidFill>
+                    <a:schemeClr val="tx2">
+                      <a:satMod val="155000"/>
+                    </a:schemeClr>
+                  </a:solidFill>
+                  <a:prstDash val="solid"/>
+                </a:ln>
+                <a:solidFill>
+                  <a:schemeClr val="tx1"/>
+                </a:solidFill>
+                <a:effectLst>
+                  <a:outerShdw blurRad="41275" dist="20320" dir="1800000" algn="tl" rotWithShape="0">
+                    <a:srgbClr val="000000">
+                      <a:alpha val="40000"/>
+                    </a:srgbClr>
+                  </a:outerShdw>
+                </a:effectLst>
+              </a:rPr>
+              <a:t>4. THIẾT KẾ CHƯƠNG </a:t>
+            </a:r>
+            <a:r>
+              <a:rPr lang="vi-VN" b="1" cap="none" dirty="0" smtClean="0">
+                <a:ln w="12700">
+                  <a:solidFill>
+                    <a:schemeClr val="tx2">
+                      <a:satMod val="155000"/>
+                    </a:schemeClr>
+                  </a:solidFill>
+                  <a:prstDash val="solid"/>
+                </a:ln>
+                <a:solidFill>
+                  <a:schemeClr val="tx1"/>
+                </a:solidFill>
+                <a:effectLst>
+                  <a:outerShdw blurRad="41275" dist="20320" dir="1800000" algn="tl" rotWithShape="0">
+                    <a:srgbClr val="000000">
+                      <a:alpha val="40000"/>
+                    </a:srgbClr>
+                  </a:outerShdw>
+                </a:effectLst>
+              </a:rPr>
+              <a:t>TRÌNH</a:t>
+            </a:r>
+            <a:r>
+              <a:rPr lang="en-US" b="1" cap="none" dirty="0" smtClean="0">
+                <a:ln w="12700">
+                  <a:solidFill>
+                    <a:schemeClr val="tx2">
+                      <a:satMod val="155000"/>
+                    </a:schemeClr>
+                  </a:solidFill>
+                  <a:prstDash val="solid"/>
+                </a:ln>
+                <a:solidFill>
+                  <a:schemeClr val="tx1"/>
+                </a:solidFill>
+                <a:effectLst>
+                  <a:outerShdw blurRad="41275" dist="20320" dir="1800000" algn="tl" rotWithShape="0">
+                    <a:srgbClr val="000000">
+                      <a:alpha val="40000"/>
+                    </a:srgbClr>
+                  </a:outerShdw>
+                </a:effectLst>
+              </a:rPr>
+              <a:t> (TT)</a:t>
+            </a:r>
+            <a:endParaRPr lang="vi-VN" b="1" cap="none" dirty="0">
+              <a:ln w="12700">
+                <a:solidFill>
+                  <a:schemeClr val="tx2">
+                    <a:satMod val="155000"/>
+                  </a:schemeClr>
+                </a:solidFill>
+                <a:prstDash val="solid"/>
+              </a:ln>
+              <a:solidFill>
+                <a:schemeClr val="tx1"/>
+              </a:solidFill>
+              <a:effectLst>
+                <a:outerShdw blurRad="41275" dist="20320" dir="1800000" algn="tl" rotWithShape="0">
+                  <a:srgbClr val="000000">
+                    <a:alpha val="40000"/>
+                  </a:srgbClr>
+                </a:outerShdw>
+              </a:effectLst>
+            </a:endParaRPr>
+          </a:p>
+        </p:txBody>
+      </p:sp>
+      <p:sp>
+        <p:nvSpPr>
+          <p:cNvPr id="3" name="Content Placeholder 2"/>
+          <p:cNvSpPr>
+            <a:spLocks noGrp="1"/>
+          </p:cNvSpPr>
+          <p:nvPr>
+            <p:ph sz="quarter" idx="1"/>
+          </p:nvPr>
+        </p:nvSpPr>
+        <p:spPr>
+          <a:xfrm>
+            <a:off x="457200" y="1285860"/>
+            <a:ext cx="7467600" cy="2071702"/>
+          </a:xfrm>
+        </p:spPr>
+        <p:txBody>
+          <a:bodyPr>
+            <a:normAutofit/>
+          </a:bodyPr>
+          <a:lstStyle/>
+          <a:p>
+            <a:pPr lvl="1"/>
+            <a:r>
+              <a:rPr lang="en-US" dirty="0" err="1" smtClean="0"/>
+              <a:t>Bảo</a:t>
+            </a:r>
+            <a:r>
+              <a:rPr lang="en-US" dirty="0" smtClean="0"/>
+              <a:t> </a:t>
+            </a:r>
+            <a:r>
+              <a:rPr lang="en-US" dirty="0" err="1"/>
+              <a:t>trì</a:t>
+            </a:r>
+            <a:r>
+              <a:rPr lang="en-US" dirty="0"/>
+              <a:t>:</a:t>
+            </a:r>
+          </a:p>
+          <a:p>
+            <a:pPr>
+              <a:buNone/>
+            </a:pPr>
+            <a:endParaRPr lang="vi-VN" b="1" dirty="0" smtClean="0"/>
+          </a:p>
+        </p:txBody>
+      </p:sp>
+    </p:spTree>
+    <p:extLst>
+      <p:ext uri="{BB962C8B-B14F-4D97-AF65-F5344CB8AC3E}">
+        <p14:creationId xmlns:p14="http://schemas.microsoft.com/office/powerpoint/2010/main" val="2025384106"/>
+      </p:ext>
+    </p:extLst>
+  </p:cSld>
+  <p:clrMapOvr>
+    <a:masterClrMapping/>
+  </p:clrMapOvr>
+  <p:transition>
+    <p:wipe/>
+  </p:transition>
+  <p:timing>
+    <p:tnLst>
+      <p:par>
+        <p:cTn id="1" dur="indefinite" restart="never" nodeType="tmRoot"/>
+      </p:par>
+    </p:tnLst>
+  </p:timing>
+</p:sld>
+</file>
+
+<file path=ppt/slides/slide13.xml><?xml version="1.0" encoding="utf-8"?>
+<p:sld xmlns:a="http://schemas.openxmlformats.org/drawingml/2006/main" xmlns:r="http://schemas.openxmlformats.org/officeDocument/2006/relationships" xmlns:p="http://schemas.openxmlformats.org/presentationml/2006/main">
+  <p:cSld>
+    <p:spTree>
+      <p:nvGrpSpPr>
+        <p:cNvPr id="1" name=""/>
+        <p:cNvGrpSpPr/>
+        <p:nvPr/>
+      </p:nvGrpSpPr>
+      <p:grpSpPr>
+        <a:xfrm>
+          <a:off x="0" y="0"/>
+          <a:ext cx="0" cy="0"/>
+          <a:chOff x="0" y="0"/>
+          <a:chExt cx="0" cy="0"/>
+        </a:xfrm>
+      </p:grpSpPr>
+      <p:sp>
+        <p:nvSpPr>
+          <p:cNvPr id="2" name="Title 1"/>
+          <p:cNvSpPr>
+            <a:spLocks noGrp="1"/>
+          </p:cNvSpPr>
+          <p:nvPr>
+            <p:ph type="title"/>
+          </p:nvPr>
+        </p:nvSpPr>
+        <p:spPr/>
+        <p:txBody>
+          <a:bodyPr anchor="ctr" anchorCtr="0"/>
+          <a:lstStyle/>
+          <a:p>
+            <a:pPr algn="ctr"/>
+            <a:r>
+              <a:rPr lang="vi-VN" b="1" cap="none" dirty="0" smtClean="0">
+                <a:ln w="12700">
+                  <a:solidFill>
+                    <a:schemeClr val="tx2">
+                      <a:satMod val="155000"/>
+                    </a:schemeClr>
+                  </a:solidFill>
+                  <a:prstDash val="solid"/>
+                </a:ln>
+                <a:solidFill>
+                  <a:schemeClr val="tx1"/>
+                </a:solidFill>
+                <a:effectLst>
+                  <a:outerShdw blurRad="41275" dist="20320" dir="1800000" algn="tl" rotWithShape="0">
+                    <a:srgbClr val="000000">
+                      <a:alpha val="40000"/>
+                    </a:srgbClr>
+                  </a:outerShdw>
+                </a:effectLst>
+              </a:rPr>
+              <a:t>4. THIẾT KẾ CHƯƠNG </a:t>
+            </a:r>
+            <a:r>
+              <a:rPr lang="vi-VN" b="1" cap="none" dirty="0" smtClean="0">
+                <a:ln w="12700">
+                  <a:solidFill>
+                    <a:schemeClr val="tx2">
+                      <a:satMod val="155000"/>
+                    </a:schemeClr>
+                  </a:solidFill>
+                  <a:prstDash val="solid"/>
+                </a:ln>
+                <a:solidFill>
+                  <a:schemeClr val="tx1"/>
+                </a:solidFill>
+                <a:effectLst>
+                  <a:outerShdw blurRad="41275" dist="20320" dir="1800000" algn="tl" rotWithShape="0">
+                    <a:srgbClr val="000000">
+                      <a:alpha val="40000"/>
+                    </a:srgbClr>
+                  </a:outerShdw>
+                </a:effectLst>
+              </a:rPr>
+              <a:t>TRÌNH</a:t>
+            </a:r>
+            <a:r>
+              <a:rPr lang="en-US" b="1" cap="none" dirty="0" smtClean="0">
+                <a:ln w="12700">
+                  <a:solidFill>
+                    <a:schemeClr val="tx2">
+                      <a:satMod val="155000"/>
+                    </a:schemeClr>
+                  </a:solidFill>
+                  <a:prstDash val="solid"/>
+                </a:ln>
+                <a:solidFill>
+                  <a:schemeClr val="tx1"/>
+                </a:solidFill>
+                <a:effectLst>
+                  <a:outerShdw blurRad="41275" dist="20320" dir="1800000" algn="tl" rotWithShape="0">
+                    <a:srgbClr val="000000">
+                      <a:alpha val="40000"/>
+                    </a:srgbClr>
+                  </a:outerShdw>
+                </a:effectLst>
+              </a:rPr>
+              <a:t> (TT)</a:t>
+            </a:r>
+            <a:endParaRPr lang="vi-VN" b="1" cap="none" dirty="0">
+              <a:ln w="12700">
+                <a:solidFill>
+                  <a:schemeClr val="tx2">
+                    <a:satMod val="155000"/>
+                  </a:schemeClr>
+                </a:solidFill>
+                <a:prstDash val="solid"/>
+              </a:ln>
+              <a:solidFill>
+                <a:schemeClr val="tx1"/>
+              </a:solidFill>
+              <a:effectLst>
+                <a:outerShdw blurRad="41275" dist="20320" dir="1800000" algn="tl" rotWithShape="0">
+                  <a:srgbClr val="000000">
+                    <a:alpha val="40000"/>
+                  </a:srgbClr>
+                </a:outerShdw>
+              </a:effectLst>
+            </a:endParaRPr>
+          </a:p>
+        </p:txBody>
+      </p:sp>
+      <p:sp>
+        <p:nvSpPr>
+          <p:cNvPr id="3" name="Content Placeholder 2"/>
+          <p:cNvSpPr>
+            <a:spLocks noGrp="1"/>
+          </p:cNvSpPr>
+          <p:nvPr>
+            <p:ph sz="quarter" idx="1"/>
+          </p:nvPr>
+        </p:nvSpPr>
+        <p:spPr>
+          <a:xfrm>
+            <a:off x="457200" y="1285860"/>
+            <a:ext cx="7467600" cy="2071702"/>
+          </a:xfrm>
+        </p:spPr>
+        <p:txBody>
+          <a:bodyPr>
+            <a:normAutofit/>
+          </a:bodyPr>
+          <a:lstStyle/>
+          <a:p>
+            <a:pPr>
+              <a:buNone/>
+            </a:pPr>
+            <a:endParaRPr lang="vi-VN" b="1" dirty="0" smtClean="0"/>
+          </a:p>
+        </p:txBody>
+      </p:sp>
+    </p:spTree>
+    <p:extLst>
+      <p:ext uri="{BB962C8B-B14F-4D97-AF65-F5344CB8AC3E}">
+        <p14:creationId xmlns:p14="http://schemas.microsoft.com/office/powerpoint/2010/main" val="1845127338"/>
+      </p:ext>
+    </p:extLst>
+  </p:cSld>
+  <p:clrMapOvr>
+    <a:masterClrMapping/>
+  </p:clrMapOvr>
+  <p:transition>
+    <p:wipe/>
+  </p:transition>
+  <p:timing>
+    <p:tnLst>
+      <p:par>
+        <p:cTn id="1" dur="indefinite" restart="never" nodeType="tmRoot"/>
+      </p:par>
+    </p:tnLst>
+  </p:timing>
+</p:sld>
+</file>
+
+<file path=ppt/slides/slide14.xml><?xml version="1.0" encoding="utf-8"?>
+<p:sld xmlns:a="http://schemas.openxmlformats.org/drawingml/2006/main" xmlns:r="http://schemas.openxmlformats.org/officeDocument/2006/relationships" xmlns:p="http://schemas.openxmlformats.org/presentationml/2006/main">
+  <p:cSld>
+    <p:spTree>
+      <p:nvGrpSpPr>
+        <p:cNvPr id="1" name=""/>
+        <p:cNvGrpSpPr/>
+        <p:nvPr/>
+      </p:nvGrpSpPr>
+      <p:grpSpPr>
+        <a:xfrm>
+          <a:off x="0" y="0"/>
+          <a:ext cx="0" cy="0"/>
+          <a:chOff x="0" y="0"/>
+          <a:chExt cx="0" cy="0"/>
+        </a:xfrm>
+      </p:grpSpPr>
+      <p:sp>
+        <p:nvSpPr>
+          <p:cNvPr id="2" name="Title 1"/>
+          <p:cNvSpPr>
+            <a:spLocks noGrp="1"/>
+          </p:cNvSpPr>
+          <p:nvPr>
+            <p:ph type="title"/>
+          </p:nvPr>
+        </p:nvSpPr>
+        <p:spPr/>
+        <p:txBody>
+          <a:bodyPr anchor="ctr" anchorCtr="0"/>
+          <a:lstStyle/>
+          <a:p>
+            <a:pPr algn="ctr"/>
+            <a:r>
+              <a:rPr lang="vi-VN" b="1" cap="none" dirty="0" smtClean="0">
+                <a:ln w="12700">
+                  <a:solidFill>
+                    <a:schemeClr val="tx2">
+                      <a:satMod val="155000"/>
+                    </a:schemeClr>
+                  </a:solidFill>
+                  <a:prstDash val="solid"/>
+                </a:ln>
+                <a:solidFill>
+                  <a:schemeClr val="tx1"/>
+                </a:solidFill>
+                <a:effectLst>
+                  <a:outerShdw blurRad="41275" dist="20320" dir="1800000" algn="tl" rotWithShape="0">
+                    <a:srgbClr val="000000">
+                      <a:alpha val="40000"/>
+                    </a:srgbClr>
+                  </a:outerShdw>
+                </a:effectLst>
+              </a:rPr>
+              <a:t>4. THIẾT KẾ CHƯƠNG </a:t>
+            </a:r>
+            <a:r>
+              <a:rPr lang="vi-VN" b="1" cap="none" dirty="0" smtClean="0">
+                <a:ln w="12700">
+                  <a:solidFill>
+                    <a:schemeClr val="tx2">
+                      <a:satMod val="155000"/>
+                    </a:schemeClr>
+                  </a:solidFill>
+                  <a:prstDash val="solid"/>
+                </a:ln>
+                <a:solidFill>
+                  <a:schemeClr val="tx1"/>
+                </a:solidFill>
+                <a:effectLst>
+                  <a:outerShdw blurRad="41275" dist="20320" dir="1800000" algn="tl" rotWithShape="0">
+                    <a:srgbClr val="000000">
+                      <a:alpha val="40000"/>
+                    </a:srgbClr>
+                  </a:outerShdw>
+                </a:effectLst>
+              </a:rPr>
+              <a:t>TRÌNH</a:t>
+            </a:r>
+            <a:r>
+              <a:rPr lang="en-US" b="1" cap="none" dirty="0" smtClean="0">
+                <a:ln w="12700">
+                  <a:solidFill>
+                    <a:schemeClr val="tx2">
+                      <a:satMod val="155000"/>
+                    </a:schemeClr>
+                  </a:solidFill>
+                  <a:prstDash val="solid"/>
+                </a:ln>
+                <a:solidFill>
+                  <a:schemeClr val="tx1"/>
+                </a:solidFill>
+                <a:effectLst>
+                  <a:outerShdw blurRad="41275" dist="20320" dir="1800000" algn="tl" rotWithShape="0">
+                    <a:srgbClr val="000000">
+                      <a:alpha val="40000"/>
+                    </a:srgbClr>
+                  </a:outerShdw>
+                </a:effectLst>
+              </a:rPr>
+              <a:t> (TT)</a:t>
+            </a:r>
+            <a:endParaRPr lang="vi-VN" b="1" cap="none" dirty="0">
+              <a:ln w="12700">
+                <a:solidFill>
+                  <a:schemeClr val="tx2">
+                    <a:satMod val="155000"/>
+                  </a:schemeClr>
+                </a:solidFill>
+                <a:prstDash val="solid"/>
+              </a:ln>
+              <a:solidFill>
+                <a:schemeClr val="tx1"/>
+              </a:solidFill>
+              <a:effectLst>
+                <a:outerShdw blurRad="41275" dist="20320" dir="1800000" algn="tl" rotWithShape="0">
+                  <a:srgbClr val="000000">
+                    <a:alpha val="40000"/>
+                  </a:srgbClr>
+                </a:outerShdw>
+              </a:effectLst>
+            </a:endParaRPr>
+          </a:p>
+        </p:txBody>
+      </p:sp>
+      <p:sp>
+        <p:nvSpPr>
+          <p:cNvPr id="3" name="Content Placeholder 2"/>
+          <p:cNvSpPr>
+            <a:spLocks noGrp="1"/>
+          </p:cNvSpPr>
+          <p:nvPr>
+            <p:ph sz="quarter" idx="1"/>
+          </p:nvPr>
+        </p:nvSpPr>
+        <p:spPr>
+          <a:xfrm>
+            <a:off x="457200" y="1285860"/>
+            <a:ext cx="7467600" cy="2071702"/>
+          </a:xfrm>
+        </p:spPr>
+        <p:txBody>
+          <a:bodyPr>
+            <a:normAutofit/>
+          </a:bodyPr>
+          <a:lstStyle/>
+          <a:p>
+            <a:pPr>
+              <a:buNone/>
+            </a:pPr>
+            <a:endParaRPr lang="vi-VN" b="1" dirty="0" smtClean="0"/>
+          </a:p>
+        </p:txBody>
+      </p:sp>
+    </p:spTree>
+    <p:extLst>
+      <p:ext uri="{BB962C8B-B14F-4D97-AF65-F5344CB8AC3E}">
+        <p14:creationId xmlns:p14="http://schemas.microsoft.com/office/powerpoint/2010/main" val="3701746892"/>
+      </p:ext>
+    </p:extLst>
+  </p:cSld>
+  <p:clrMapOvr>
+    <a:masterClrMapping/>
+  </p:clrMapOvr>
+  <p:transition>
+    <p:wipe/>
+  </p:transition>
+  <p:timing>
+    <p:tnLst>
+      <p:par>
+        <p:cTn id="1" dur="indefinite" restart="never" nodeType="tmRoot"/>
+      </p:par>
+    </p:tnLst>
+  </p:timing>
+</p:sld>
+</file>
+
+<file path=ppt/slides/slide15.xml><?xml version="1.0" encoding="utf-8"?>
+<p:sld xmlns:a="http://schemas.openxmlformats.org/drawingml/2006/main" xmlns:r="http://schemas.openxmlformats.org/officeDocument/2006/relationships" xmlns:p="http://schemas.openxmlformats.org/presentationml/2006/main">
+  <p:cSld>
+    <p:spTree>
+      <p:nvGrpSpPr>
+        <p:cNvPr id="1" name=""/>
+        <p:cNvGrpSpPr/>
+        <p:nvPr/>
+      </p:nvGrpSpPr>
+      <p:grpSpPr>
+        <a:xfrm>
+          <a:off x="0" y="0"/>
+          <a:ext cx="0" cy="0"/>
+          <a:chOff x="0" y="0"/>
+          <a:chExt cx="0" cy="0"/>
+        </a:xfrm>
+      </p:grpSpPr>
+      <p:sp>
+        <p:nvSpPr>
+          <p:cNvPr id="2" name="Title 1"/>
+          <p:cNvSpPr>
+            <a:spLocks noGrp="1"/>
+          </p:cNvSpPr>
+          <p:nvPr>
+            <p:ph type="title"/>
+          </p:nvPr>
+        </p:nvSpPr>
+        <p:spPr>
+          <a:xfrm>
+            <a:off x="457200" y="274638"/>
+            <a:ext cx="7467600" cy="868346"/>
+          </a:xfrm>
+        </p:spPr>
+        <p:txBody>
+          <a:bodyPr anchor="ctr" anchorCtr="0"/>
+          <a:lstStyle/>
+          <a:p>
+            <a:pPr algn="ctr"/>
+            <a:r>
+              <a:rPr lang="vi-VN" b="1" cap="none" dirty="0" smtClean="0">
+                <a:ln w="18000">
+                  <a:solidFill>
+                    <a:schemeClr val="tx1"/>
+                  </a:solidFill>
+                  <a:prstDash val="solid"/>
+                  <a:miter lim="800000"/>
+                </a:ln>
+                <a:solidFill>
+                  <a:schemeClr val="tx1"/>
+                </a:solidFill>
+                <a:effectLst>
+                  <a:outerShdw blurRad="25500" dist="23000" dir="7020000" algn="tl">
+                    <a:srgbClr val="000000">
+                      <a:alpha val="50000"/>
+                    </a:srgbClr>
+                  </a:outerShdw>
+                </a:effectLst>
+              </a:rPr>
+              <a:t>5. DEMO</a:t>
+            </a:r>
+            <a:endParaRPr lang="vi-VN" dirty="0"/>
+          </a:p>
+        </p:txBody>
+      </p:sp>
+    </p:spTree>
+  </p:cSld>
+  <p:clrMapOvr>
+    <a:masterClrMapping/>
+  </p:clrMapOvr>
+  <p:transition>
+    <p:wipe/>
+  </p:transition>
+  <p:timing>
+    <p:tnLst>
+      <p:par>
+        <p:cTn id="1" dur="indefinite" restart="never" nodeType="tmRoot"/>
+      </p:par>
+    </p:tnLst>
+  </p:timing>
+</p:sld>
+</file>
+
+<file path=ppt/slides/slide16.xml><?xml version="1.0" encoding="utf-8"?>
+<p:sld xmlns:a="http://schemas.openxmlformats.org/drawingml/2006/main" xmlns:r="http://schemas.openxmlformats.org/officeDocument/2006/relationships" xmlns:p="http://schemas.openxmlformats.org/presentationml/2006/main">
+  <p:cSld>
+    <p:spTree>
+      <p:nvGrpSpPr>
+        <p:cNvPr id="1" name=""/>
+        <p:cNvGrpSpPr/>
+        <p:nvPr/>
+      </p:nvGrpSpPr>
+      <p:grpSpPr>
+        <a:xfrm>
+          <a:off x="0" y="0"/>
+          <a:ext cx="0" cy="0"/>
+          <a:chOff x="0" y="0"/>
+          <a:chExt cx="0" cy="0"/>
+        </a:xfrm>
+      </p:grpSpPr>
+      <p:sp>
+        <p:nvSpPr>
+          <p:cNvPr id="2" name="Title 1"/>
+          <p:cNvSpPr>
+            <a:spLocks noGrp="1"/>
+          </p:cNvSpPr>
+          <p:nvPr>
+            <p:ph type="title"/>
+          </p:nvPr>
+        </p:nvSpPr>
         <p:spPr>
           <a:xfrm>
             <a:off x="457200" y="274638"/>
@@ -9343,7 +10640,7 @@
 </p:sld>
 </file>
 
-<file path=ppt/slides/slide12.xml><?xml version="1.0" encoding="utf-8"?>
+<file path=ppt/slides/slide17.xml><?xml version="1.0" encoding="utf-8"?>
 <p:sld xmlns:a="http://schemas.openxmlformats.org/drawingml/2006/main" xmlns:r="http://schemas.openxmlformats.org/officeDocument/2006/relationships" xmlns:p="http://schemas.openxmlformats.org/presentationml/2006/main">
   <p:cSld>
     <p:spTree>
@@ -9556,11 +10853,11 @@
           </a:p>
           <a:p>
             <a:r>
-              <a:rPr lang="en-US" sz="3600" smtClean="0"/>
+              <a:rPr lang="en-US" sz="3600" dirty="0" smtClean="0"/>
               <a:t> </a:t>
             </a:r>
             <a:r>
-              <a:rPr lang="vi-VN" sz="3600" smtClean="0"/>
+              <a:rPr lang="vi-VN" sz="3600" dirty="0" smtClean="0"/>
               <a:t>Bảo </a:t>
             </a:r>
             <a:r>
@@ -10876,6 +12173,238 @@
           <a:bodyPr/>
           <a:lstStyle/>
           <a:p>
+            <a:r>
+              <a:rPr lang="en-US" b="1" dirty="0" err="1" smtClean="0"/>
+              <a:t>Mục</a:t>
+            </a:r>
+            <a:r>
+              <a:rPr lang="en-US" b="1" dirty="0" smtClean="0"/>
+              <a:t> </a:t>
+            </a:r>
+            <a:r>
+              <a:rPr lang="en-US" b="1" dirty="0" err="1" smtClean="0"/>
+              <a:t>tiêu</a:t>
+            </a:r>
+            <a:r>
+              <a:rPr lang="en-US" b="1" dirty="0" smtClean="0"/>
+              <a:t>:</a:t>
+            </a:r>
+          </a:p>
+          <a:p>
+            <a:pPr>
+              <a:buNone/>
+            </a:pPr>
+            <a:r>
+              <a:rPr lang="en-US" dirty="0" smtClean="0"/>
+              <a:t>		</a:t>
+            </a:r>
+            <a:r>
+              <a:rPr lang="en-US" dirty="0" err="1" smtClean="0"/>
+              <a:t>Phân</a:t>
+            </a:r>
+            <a:r>
+              <a:rPr lang="en-US" dirty="0" smtClean="0"/>
+              <a:t> </a:t>
+            </a:r>
+            <a:r>
+              <a:rPr lang="en-US" dirty="0" err="1"/>
+              <a:t>tích</a:t>
+            </a:r>
+            <a:r>
+              <a:rPr lang="en-US" dirty="0"/>
+              <a:t> </a:t>
+            </a:r>
+            <a:r>
+              <a:rPr lang="en-US" dirty="0" err="1"/>
+              <a:t>dựa</a:t>
+            </a:r>
+            <a:r>
+              <a:rPr lang="en-US" dirty="0"/>
+              <a:t> </a:t>
+            </a:r>
+            <a:r>
+              <a:rPr lang="en-US" dirty="0" err="1"/>
+              <a:t>trên</a:t>
+            </a:r>
+            <a:r>
+              <a:rPr lang="en-US" dirty="0"/>
+              <a:t> </a:t>
+            </a:r>
+            <a:r>
+              <a:rPr lang="en-US" dirty="0" err="1"/>
+              <a:t>thông</a:t>
+            </a:r>
+            <a:r>
+              <a:rPr lang="en-US" dirty="0"/>
+              <a:t> tin </a:t>
+            </a:r>
+            <a:r>
+              <a:rPr lang="en-US" dirty="0" err="1"/>
+              <a:t>có</a:t>
+            </a:r>
+            <a:r>
+              <a:rPr lang="en-US" dirty="0"/>
+              <a:t> </a:t>
+            </a:r>
+            <a:r>
+              <a:rPr lang="en-US" dirty="0" err="1"/>
+              <a:t>được</a:t>
+            </a:r>
+            <a:r>
+              <a:rPr lang="en-US" dirty="0"/>
+              <a:t> </a:t>
+            </a:r>
+            <a:r>
+              <a:rPr lang="en-US" dirty="0" err="1"/>
+              <a:t>từ</a:t>
+            </a:r>
+            <a:r>
+              <a:rPr lang="en-US" dirty="0"/>
+              <a:t> </a:t>
+            </a:r>
+            <a:r>
+              <a:rPr lang="en-US" dirty="0" err="1"/>
+              <a:t>dây</a:t>
+            </a:r>
+            <a:r>
+              <a:rPr lang="en-US" dirty="0"/>
+              <a:t> </a:t>
+            </a:r>
+            <a:r>
+              <a:rPr lang="en-US" dirty="0" err="1" smtClean="0"/>
+              <a:t>chuyền</a:t>
+            </a:r>
+            <a:r>
+              <a:rPr lang="en-US" dirty="0" smtClean="0"/>
+              <a:t> </a:t>
+            </a:r>
+            <a:r>
+              <a:rPr lang="en-US" dirty="0" err="1" smtClean="0"/>
+              <a:t>sản</a:t>
+            </a:r>
+            <a:r>
+              <a:rPr lang="en-US" dirty="0" smtClean="0"/>
+              <a:t> </a:t>
+            </a:r>
+            <a:r>
+              <a:rPr lang="en-US" dirty="0" err="1"/>
+              <a:t>xuất</a:t>
+            </a:r>
+            <a:r>
+              <a:rPr lang="en-US" dirty="0"/>
+              <a:t> </a:t>
+            </a:r>
+            <a:r>
+              <a:rPr lang="en-US" dirty="0" err="1"/>
+              <a:t>cốm</a:t>
+            </a:r>
+            <a:r>
+              <a:rPr lang="en-US" dirty="0"/>
+              <a:t> ở </a:t>
+            </a:r>
+            <a:r>
+              <a:rPr lang="en-US" dirty="0" err="1"/>
+              <a:t>nhà</a:t>
+            </a:r>
+            <a:r>
+              <a:rPr lang="en-US" dirty="0"/>
+              <a:t> </a:t>
+            </a:r>
+            <a:r>
+              <a:rPr lang="en-US" dirty="0" err="1"/>
+              <a:t>máy</a:t>
+            </a:r>
+            <a:r>
+              <a:rPr lang="en-US" dirty="0"/>
+              <a:t> Long </a:t>
+            </a:r>
+            <a:r>
+              <a:rPr lang="en-US" dirty="0" err="1"/>
+              <a:t>Hòa</a:t>
+            </a:r>
+            <a:r>
+              <a:rPr lang="en-US" dirty="0"/>
+              <a:t>, </a:t>
+            </a:r>
+            <a:r>
+              <a:rPr lang="en-US" dirty="0" err="1"/>
+              <a:t>từ</a:t>
+            </a:r>
+            <a:r>
+              <a:rPr lang="en-US" dirty="0"/>
+              <a:t> </a:t>
+            </a:r>
+            <a:r>
+              <a:rPr lang="en-US" dirty="0" err="1"/>
+              <a:t>đó</a:t>
+            </a:r>
+            <a:r>
+              <a:rPr lang="en-US" dirty="0"/>
+              <a:t> </a:t>
+            </a:r>
+            <a:r>
+              <a:rPr lang="en-US" dirty="0" err="1"/>
+              <a:t>đề</a:t>
+            </a:r>
+            <a:r>
+              <a:rPr lang="en-US" dirty="0"/>
+              <a:t> </a:t>
+            </a:r>
+            <a:r>
+              <a:rPr lang="en-US" dirty="0" err="1"/>
+              <a:t>ra</a:t>
+            </a:r>
+            <a:r>
+              <a:rPr lang="en-US" dirty="0"/>
+              <a:t> </a:t>
+            </a:r>
+            <a:r>
+              <a:rPr lang="en-US" dirty="0" err="1"/>
+              <a:t>các</a:t>
+            </a:r>
+            <a:r>
+              <a:rPr lang="en-US" dirty="0"/>
+              <a:t> </a:t>
+            </a:r>
+            <a:r>
+              <a:rPr lang="en-US" dirty="0" err="1"/>
+              <a:t>chức</a:t>
+            </a:r>
+            <a:r>
+              <a:rPr lang="en-US" dirty="0"/>
+              <a:t> </a:t>
+            </a:r>
+            <a:r>
+              <a:rPr lang="en-US" dirty="0" err="1"/>
+              <a:t>năng</a:t>
+            </a:r>
+            <a:r>
+              <a:rPr lang="en-US" dirty="0"/>
+              <a:t> </a:t>
+            </a:r>
+            <a:r>
+              <a:rPr lang="en-US" dirty="0" err="1"/>
+              <a:t>của</a:t>
+            </a:r>
+            <a:r>
+              <a:rPr lang="en-US" dirty="0"/>
+              <a:t> </a:t>
+            </a:r>
+            <a:r>
+              <a:rPr lang="en-US" dirty="0" err="1"/>
+              <a:t>ứng</a:t>
+            </a:r>
+            <a:r>
+              <a:rPr lang="en-US" dirty="0"/>
+              <a:t> </a:t>
+            </a:r>
+            <a:r>
+              <a:rPr lang="en-US" dirty="0" err="1"/>
+              <a:t>dụng</a:t>
+            </a:r>
+            <a:endParaRPr lang="en-US" dirty="0"/>
+          </a:p>
+          <a:p>
             <a:pPr>
               <a:buNone/>
             </a:pPr>
@@ -10883,6 +12412,28 @@
           </a:p>
         </p:txBody>
       </p:sp>
+      <p:pic>
+        <p:nvPicPr>
+          <p:cNvPr id="5" name="Picture 4"/>
+          <p:cNvPicPr/>
+          <p:nvPr/>
+        </p:nvPicPr>
+        <p:blipFill>
+          <a:blip r:embed="rId2"/>
+          <a:stretch>
+            <a:fillRect/>
+          </a:stretch>
+        </p:blipFill>
+        <p:spPr>
+          <a:xfrm>
+            <a:off x="1043608" y="3159757"/>
+            <a:ext cx="6447656" cy="3712569"/>
+          </a:xfrm>
+          <a:prstGeom prst="rect">
+            <a:avLst/>
+          </a:prstGeom>
+        </p:spPr>
+      </p:pic>
     </p:spTree>
   </p:cSld>
   <p:clrMapOvr>
